--- a/powerSystem_plantdistribution.pptx
+++ b/powerSystem_plantdistribution.pptx
@@ -157,7 +157,7 @@
           </a:lstStyle>
           <a:p>
             <a:r>
-              <a:rPr lang="es-ES" smtClean="0"/>
+              <a:rPr lang="es-ES"/>
               <a:t>Haga clic para modificar el estilo de título del patrón</a:t>
             </a:r>
             <a:endParaRPr lang="ca-ES"/>
@@ -222,7 +222,7 @@
           </a:lstStyle>
           <a:p>
             <a:r>
-              <a:rPr lang="es-ES" smtClean="0"/>
+              <a:rPr lang="es-ES"/>
               <a:t>Haga clic para editar el estilo de subtítulo del patrón</a:t>
             </a:r>
             <a:endParaRPr lang="ca-ES"/>
@@ -246,7 +246,7 @@
           <a:p>
             <a:fld id="{A6AC8A5A-C607-48A2-A44C-88559C6B71C1}" type="datetimeFigureOut">
               <a:rPr lang="ca-ES" smtClean="0"/>
-              <a:t>23/12/2022</a:t>
+              <a:t>30/12/2022</a:t>
             </a:fld>
             <a:endParaRPr lang="ca-ES"/>
           </a:p>
@@ -340,7 +340,7 @@
           <a:lstStyle/>
           <a:p>
             <a:r>
-              <a:rPr lang="es-ES" smtClean="0"/>
+              <a:rPr lang="es-ES"/>
               <a:t>Haga clic para modificar el estilo de título del patrón</a:t>
             </a:r>
             <a:endParaRPr lang="ca-ES"/>
@@ -364,35 +364,35 @@
           <a:p>
             <a:pPr lvl="0"/>
             <a:r>
-              <a:rPr lang="es-ES" smtClean="0"/>
+              <a:rPr lang="es-ES"/>
               <a:t>Editar el estilo de texto del patrón</a:t>
             </a:r>
           </a:p>
           <a:p>
             <a:pPr lvl="1"/>
             <a:r>
-              <a:rPr lang="es-ES" smtClean="0"/>
+              <a:rPr lang="es-ES"/>
               <a:t>Segundo nivel</a:t>
             </a:r>
           </a:p>
           <a:p>
             <a:pPr lvl="2"/>
             <a:r>
-              <a:rPr lang="es-ES" smtClean="0"/>
+              <a:rPr lang="es-ES"/>
               <a:t>Tercer nivel</a:t>
             </a:r>
           </a:p>
           <a:p>
             <a:pPr lvl="3"/>
             <a:r>
-              <a:rPr lang="es-ES" smtClean="0"/>
+              <a:rPr lang="es-ES"/>
               <a:t>Cuarto nivel</a:t>
             </a:r>
           </a:p>
           <a:p>
             <a:pPr lvl="4"/>
             <a:r>
-              <a:rPr lang="es-ES" smtClean="0"/>
+              <a:rPr lang="es-ES"/>
               <a:t>Quinto nivel</a:t>
             </a:r>
             <a:endParaRPr lang="ca-ES"/>
@@ -416,7 +416,7 @@
           <a:p>
             <a:fld id="{A6AC8A5A-C607-48A2-A44C-88559C6B71C1}" type="datetimeFigureOut">
               <a:rPr lang="ca-ES" smtClean="0"/>
-              <a:t>23/12/2022</a:t>
+              <a:t>30/12/2022</a:t>
             </a:fld>
             <a:endParaRPr lang="ca-ES"/>
           </a:p>
@@ -515,7 +515,7 @@
           <a:lstStyle/>
           <a:p>
             <a:r>
-              <a:rPr lang="es-ES" smtClean="0"/>
+              <a:rPr lang="es-ES"/>
               <a:t>Haga clic para modificar el estilo de título del patrón</a:t>
             </a:r>
             <a:endParaRPr lang="ca-ES"/>
@@ -544,35 +544,35 @@
           <a:p>
             <a:pPr lvl="0"/>
             <a:r>
-              <a:rPr lang="es-ES" smtClean="0"/>
+              <a:rPr lang="es-ES"/>
               <a:t>Editar el estilo de texto del patrón</a:t>
             </a:r>
           </a:p>
           <a:p>
             <a:pPr lvl="1"/>
             <a:r>
-              <a:rPr lang="es-ES" smtClean="0"/>
+              <a:rPr lang="es-ES"/>
               <a:t>Segundo nivel</a:t>
             </a:r>
           </a:p>
           <a:p>
             <a:pPr lvl="2"/>
             <a:r>
-              <a:rPr lang="es-ES" smtClean="0"/>
+              <a:rPr lang="es-ES"/>
               <a:t>Tercer nivel</a:t>
             </a:r>
           </a:p>
           <a:p>
             <a:pPr lvl="3"/>
             <a:r>
-              <a:rPr lang="es-ES" smtClean="0"/>
+              <a:rPr lang="es-ES"/>
               <a:t>Cuarto nivel</a:t>
             </a:r>
           </a:p>
           <a:p>
             <a:pPr lvl="4"/>
             <a:r>
-              <a:rPr lang="es-ES" smtClean="0"/>
+              <a:rPr lang="es-ES"/>
               <a:t>Quinto nivel</a:t>
             </a:r>
             <a:endParaRPr lang="ca-ES"/>
@@ -596,7 +596,7 @@
           <a:p>
             <a:fld id="{A6AC8A5A-C607-48A2-A44C-88559C6B71C1}" type="datetimeFigureOut">
               <a:rPr lang="ca-ES" smtClean="0"/>
-              <a:t>23/12/2022</a:t>
+              <a:t>30/12/2022</a:t>
             </a:fld>
             <a:endParaRPr lang="ca-ES"/>
           </a:p>
@@ -690,7 +690,7 @@
           <a:lstStyle/>
           <a:p>
             <a:r>
-              <a:rPr lang="es-ES" smtClean="0"/>
+              <a:rPr lang="es-ES"/>
               <a:t>Haga clic para modificar el estilo de título del patrón</a:t>
             </a:r>
             <a:endParaRPr lang="ca-ES"/>
@@ -714,35 +714,35 @@
           <a:p>
             <a:pPr lvl="0"/>
             <a:r>
-              <a:rPr lang="es-ES" smtClean="0"/>
+              <a:rPr lang="es-ES"/>
               <a:t>Editar el estilo de texto del patrón</a:t>
             </a:r>
           </a:p>
           <a:p>
             <a:pPr lvl="1"/>
             <a:r>
-              <a:rPr lang="es-ES" smtClean="0"/>
+              <a:rPr lang="es-ES"/>
               <a:t>Segundo nivel</a:t>
             </a:r>
           </a:p>
           <a:p>
             <a:pPr lvl="2"/>
             <a:r>
-              <a:rPr lang="es-ES" smtClean="0"/>
+              <a:rPr lang="es-ES"/>
               <a:t>Tercer nivel</a:t>
             </a:r>
           </a:p>
           <a:p>
             <a:pPr lvl="3"/>
             <a:r>
-              <a:rPr lang="es-ES" smtClean="0"/>
+              <a:rPr lang="es-ES"/>
               <a:t>Cuarto nivel</a:t>
             </a:r>
           </a:p>
           <a:p>
             <a:pPr lvl="4"/>
             <a:r>
-              <a:rPr lang="es-ES" smtClean="0"/>
+              <a:rPr lang="es-ES"/>
               <a:t>Quinto nivel</a:t>
             </a:r>
             <a:endParaRPr lang="ca-ES"/>
@@ -766,7 +766,7 @@
           <a:p>
             <a:fld id="{A6AC8A5A-C607-48A2-A44C-88559C6B71C1}" type="datetimeFigureOut">
               <a:rPr lang="ca-ES" smtClean="0"/>
-              <a:t>23/12/2022</a:t>
+              <a:t>30/12/2022</a:t>
             </a:fld>
             <a:endParaRPr lang="ca-ES"/>
           </a:p>
@@ -869,7 +869,7 @@
           </a:lstStyle>
           <a:p>
             <a:r>
-              <a:rPr lang="es-ES" smtClean="0"/>
+              <a:rPr lang="es-ES"/>
               <a:t>Haga clic para modificar el estilo de título del patrón</a:t>
             </a:r>
             <a:endParaRPr lang="ca-ES"/>
@@ -989,7 +989,7 @@
           <a:p>
             <a:pPr lvl="0"/>
             <a:r>
-              <a:rPr lang="es-ES" smtClean="0"/>
+              <a:rPr lang="es-ES"/>
               <a:t>Editar el estilo de texto del patrón</a:t>
             </a:r>
           </a:p>
@@ -1012,7 +1012,7 @@
           <a:p>
             <a:fld id="{A6AC8A5A-C607-48A2-A44C-88559C6B71C1}" type="datetimeFigureOut">
               <a:rPr lang="ca-ES" smtClean="0"/>
-              <a:t>23/12/2022</a:t>
+              <a:t>30/12/2022</a:t>
             </a:fld>
             <a:endParaRPr lang="ca-ES"/>
           </a:p>
@@ -1106,7 +1106,7 @@
           <a:lstStyle/>
           <a:p>
             <a:r>
-              <a:rPr lang="es-ES" smtClean="0"/>
+              <a:rPr lang="es-ES"/>
               <a:t>Haga clic para modificar el estilo de título del patrón</a:t>
             </a:r>
             <a:endParaRPr lang="ca-ES"/>
@@ -1135,35 +1135,35 @@
           <a:p>
             <a:pPr lvl="0"/>
             <a:r>
-              <a:rPr lang="es-ES" smtClean="0"/>
+              <a:rPr lang="es-ES"/>
               <a:t>Editar el estilo de texto del patrón</a:t>
             </a:r>
           </a:p>
           <a:p>
             <a:pPr lvl="1"/>
             <a:r>
-              <a:rPr lang="es-ES" smtClean="0"/>
+              <a:rPr lang="es-ES"/>
               <a:t>Segundo nivel</a:t>
             </a:r>
           </a:p>
           <a:p>
             <a:pPr lvl="2"/>
             <a:r>
-              <a:rPr lang="es-ES" smtClean="0"/>
+              <a:rPr lang="es-ES"/>
               <a:t>Tercer nivel</a:t>
             </a:r>
           </a:p>
           <a:p>
             <a:pPr lvl="3"/>
             <a:r>
-              <a:rPr lang="es-ES" smtClean="0"/>
+              <a:rPr lang="es-ES"/>
               <a:t>Cuarto nivel</a:t>
             </a:r>
           </a:p>
           <a:p>
             <a:pPr lvl="4"/>
             <a:r>
-              <a:rPr lang="es-ES" smtClean="0"/>
+              <a:rPr lang="es-ES"/>
               <a:t>Quinto nivel</a:t>
             </a:r>
             <a:endParaRPr lang="ca-ES"/>
@@ -1192,35 +1192,35 @@
           <a:p>
             <a:pPr lvl="0"/>
             <a:r>
-              <a:rPr lang="es-ES" smtClean="0"/>
+              <a:rPr lang="es-ES"/>
               <a:t>Editar el estilo de texto del patrón</a:t>
             </a:r>
           </a:p>
           <a:p>
             <a:pPr lvl="1"/>
             <a:r>
-              <a:rPr lang="es-ES" smtClean="0"/>
+              <a:rPr lang="es-ES"/>
               <a:t>Segundo nivel</a:t>
             </a:r>
           </a:p>
           <a:p>
             <a:pPr lvl="2"/>
             <a:r>
-              <a:rPr lang="es-ES" smtClean="0"/>
+              <a:rPr lang="es-ES"/>
               <a:t>Tercer nivel</a:t>
             </a:r>
           </a:p>
           <a:p>
             <a:pPr lvl="3"/>
             <a:r>
-              <a:rPr lang="es-ES" smtClean="0"/>
+              <a:rPr lang="es-ES"/>
               <a:t>Cuarto nivel</a:t>
             </a:r>
           </a:p>
           <a:p>
             <a:pPr lvl="4"/>
             <a:r>
-              <a:rPr lang="es-ES" smtClean="0"/>
+              <a:rPr lang="es-ES"/>
               <a:t>Quinto nivel</a:t>
             </a:r>
             <a:endParaRPr lang="ca-ES"/>
@@ -1244,7 +1244,7 @@
           <a:p>
             <a:fld id="{A6AC8A5A-C607-48A2-A44C-88559C6B71C1}" type="datetimeFigureOut">
               <a:rPr lang="ca-ES" smtClean="0"/>
-              <a:t>23/12/2022</a:t>
+              <a:t>30/12/2022</a:t>
             </a:fld>
             <a:endParaRPr lang="ca-ES"/>
           </a:p>
@@ -1343,7 +1343,7 @@
           <a:lstStyle/>
           <a:p>
             <a:r>
-              <a:rPr lang="es-ES" smtClean="0"/>
+              <a:rPr lang="es-ES"/>
               <a:t>Haga clic para modificar el estilo de título del patrón</a:t>
             </a:r>
             <a:endParaRPr lang="ca-ES"/>
@@ -1409,7 +1409,7 @@
           <a:p>
             <a:pPr lvl="0"/>
             <a:r>
-              <a:rPr lang="es-ES" smtClean="0"/>
+              <a:rPr lang="es-ES"/>
               <a:t>Editar el estilo de texto del patrón</a:t>
             </a:r>
           </a:p>
@@ -1437,35 +1437,35 @@
           <a:p>
             <a:pPr lvl="0"/>
             <a:r>
-              <a:rPr lang="es-ES" smtClean="0"/>
+              <a:rPr lang="es-ES"/>
               <a:t>Editar el estilo de texto del patrón</a:t>
             </a:r>
           </a:p>
           <a:p>
             <a:pPr lvl="1"/>
             <a:r>
-              <a:rPr lang="es-ES" smtClean="0"/>
+              <a:rPr lang="es-ES"/>
               <a:t>Segundo nivel</a:t>
             </a:r>
           </a:p>
           <a:p>
             <a:pPr lvl="2"/>
             <a:r>
-              <a:rPr lang="es-ES" smtClean="0"/>
+              <a:rPr lang="es-ES"/>
               <a:t>Tercer nivel</a:t>
             </a:r>
           </a:p>
           <a:p>
             <a:pPr lvl="3"/>
             <a:r>
-              <a:rPr lang="es-ES" smtClean="0"/>
+              <a:rPr lang="es-ES"/>
               <a:t>Cuarto nivel</a:t>
             </a:r>
           </a:p>
           <a:p>
             <a:pPr lvl="4"/>
             <a:r>
-              <a:rPr lang="es-ES" smtClean="0"/>
+              <a:rPr lang="es-ES"/>
               <a:t>Quinto nivel</a:t>
             </a:r>
             <a:endParaRPr lang="ca-ES"/>
@@ -1531,7 +1531,7 @@
           <a:p>
             <a:pPr lvl="0"/>
             <a:r>
-              <a:rPr lang="es-ES" smtClean="0"/>
+              <a:rPr lang="es-ES"/>
               <a:t>Editar el estilo de texto del patrón</a:t>
             </a:r>
           </a:p>
@@ -1559,35 +1559,35 @@
           <a:p>
             <a:pPr lvl="0"/>
             <a:r>
-              <a:rPr lang="es-ES" smtClean="0"/>
+              <a:rPr lang="es-ES"/>
               <a:t>Editar el estilo de texto del patrón</a:t>
             </a:r>
           </a:p>
           <a:p>
             <a:pPr lvl="1"/>
             <a:r>
-              <a:rPr lang="es-ES" smtClean="0"/>
+              <a:rPr lang="es-ES"/>
               <a:t>Segundo nivel</a:t>
             </a:r>
           </a:p>
           <a:p>
             <a:pPr lvl="2"/>
             <a:r>
-              <a:rPr lang="es-ES" smtClean="0"/>
+              <a:rPr lang="es-ES"/>
               <a:t>Tercer nivel</a:t>
             </a:r>
           </a:p>
           <a:p>
             <a:pPr lvl="3"/>
             <a:r>
-              <a:rPr lang="es-ES" smtClean="0"/>
+              <a:rPr lang="es-ES"/>
               <a:t>Cuarto nivel</a:t>
             </a:r>
           </a:p>
           <a:p>
             <a:pPr lvl="4"/>
             <a:r>
-              <a:rPr lang="es-ES" smtClean="0"/>
+              <a:rPr lang="es-ES"/>
               <a:t>Quinto nivel</a:t>
             </a:r>
             <a:endParaRPr lang="ca-ES"/>
@@ -1611,7 +1611,7 @@
           <a:p>
             <a:fld id="{A6AC8A5A-C607-48A2-A44C-88559C6B71C1}" type="datetimeFigureOut">
               <a:rPr lang="ca-ES" smtClean="0"/>
-              <a:t>23/12/2022</a:t>
+              <a:t>30/12/2022</a:t>
             </a:fld>
             <a:endParaRPr lang="ca-ES"/>
           </a:p>
@@ -1705,7 +1705,7 @@
           <a:lstStyle/>
           <a:p>
             <a:r>
-              <a:rPr lang="es-ES" smtClean="0"/>
+              <a:rPr lang="es-ES"/>
               <a:t>Haga clic para modificar el estilo de título del patrón</a:t>
             </a:r>
             <a:endParaRPr lang="ca-ES"/>
@@ -1729,7 +1729,7 @@
           <a:p>
             <a:fld id="{A6AC8A5A-C607-48A2-A44C-88559C6B71C1}" type="datetimeFigureOut">
               <a:rPr lang="ca-ES" smtClean="0"/>
-              <a:t>23/12/2022</a:t>
+              <a:t>30/12/2022</a:t>
             </a:fld>
             <a:endParaRPr lang="ca-ES"/>
           </a:p>
@@ -1824,7 +1824,7 @@
           <a:p>
             <a:fld id="{A6AC8A5A-C607-48A2-A44C-88559C6B71C1}" type="datetimeFigureOut">
               <a:rPr lang="ca-ES" smtClean="0"/>
-              <a:t>23/12/2022</a:t>
+              <a:t>30/12/2022</a:t>
             </a:fld>
             <a:endParaRPr lang="ca-ES"/>
           </a:p>
@@ -1927,7 +1927,7 @@
           </a:lstStyle>
           <a:p>
             <a:r>
-              <a:rPr lang="es-ES" smtClean="0"/>
+              <a:rPr lang="es-ES"/>
               <a:t>Haga clic para modificar el estilo de título del patrón</a:t>
             </a:r>
             <a:endParaRPr lang="ca-ES"/>
@@ -1984,35 +1984,35 @@
           <a:p>
             <a:pPr lvl="0"/>
             <a:r>
-              <a:rPr lang="es-ES" smtClean="0"/>
+              <a:rPr lang="es-ES"/>
               <a:t>Editar el estilo de texto del patrón</a:t>
             </a:r>
           </a:p>
           <a:p>
             <a:pPr lvl="1"/>
             <a:r>
-              <a:rPr lang="es-ES" smtClean="0"/>
+              <a:rPr lang="es-ES"/>
               <a:t>Segundo nivel</a:t>
             </a:r>
           </a:p>
           <a:p>
             <a:pPr lvl="2"/>
             <a:r>
-              <a:rPr lang="es-ES" smtClean="0"/>
+              <a:rPr lang="es-ES"/>
               <a:t>Tercer nivel</a:t>
             </a:r>
           </a:p>
           <a:p>
             <a:pPr lvl="3"/>
             <a:r>
-              <a:rPr lang="es-ES" smtClean="0"/>
+              <a:rPr lang="es-ES"/>
               <a:t>Cuarto nivel</a:t>
             </a:r>
           </a:p>
           <a:p>
             <a:pPr lvl="4"/>
             <a:r>
-              <a:rPr lang="es-ES" smtClean="0"/>
+              <a:rPr lang="es-ES"/>
               <a:t>Quinto nivel</a:t>
             </a:r>
             <a:endParaRPr lang="ca-ES"/>
@@ -2078,7 +2078,7 @@
           <a:p>
             <a:pPr lvl="0"/>
             <a:r>
-              <a:rPr lang="es-ES" smtClean="0"/>
+              <a:rPr lang="es-ES"/>
               <a:t>Editar el estilo de texto del patrón</a:t>
             </a:r>
           </a:p>
@@ -2101,7 +2101,7 @@
           <a:p>
             <a:fld id="{A6AC8A5A-C607-48A2-A44C-88559C6B71C1}" type="datetimeFigureOut">
               <a:rPr lang="ca-ES" smtClean="0"/>
-              <a:t>23/12/2022</a:t>
+              <a:t>30/12/2022</a:t>
             </a:fld>
             <a:endParaRPr lang="ca-ES"/>
           </a:p>
@@ -2204,7 +2204,7 @@
           </a:lstStyle>
           <a:p>
             <a:r>
-              <a:rPr lang="es-ES" smtClean="0"/>
+              <a:rPr lang="es-ES"/>
               <a:t>Haga clic para modificar el estilo de título del patrón</a:t>
             </a:r>
             <a:endParaRPr lang="ca-ES"/>
@@ -2331,7 +2331,7 @@
           <a:p>
             <a:pPr lvl="0"/>
             <a:r>
-              <a:rPr lang="es-ES" smtClean="0"/>
+              <a:rPr lang="es-ES"/>
               <a:t>Editar el estilo de texto del patrón</a:t>
             </a:r>
           </a:p>
@@ -2354,7 +2354,7 @@
           <a:p>
             <a:fld id="{A6AC8A5A-C607-48A2-A44C-88559C6B71C1}" type="datetimeFigureOut">
               <a:rPr lang="ca-ES" smtClean="0"/>
-              <a:t>23/12/2022</a:t>
+              <a:t>30/12/2022</a:t>
             </a:fld>
             <a:endParaRPr lang="ca-ES"/>
           </a:p>
@@ -2463,7 +2463,7 @@
           <a:lstStyle/>
           <a:p>
             <a:r>
-              <a:rPr lang="es-ES" smtClean="0"/>
+              <a:rPr lang="es-ES"/>
               <a:t>Haga clic para modificar el estilo de título del patrón</a:t>
             </a:r>
             <a:endParaRPr lang="ca-ES"/>
@@ -2497,35 +2497,35 @@
           <a:p>
             <a:pPr lvl="0"/>
             <a:r>
-              <a:rPr lang="es-ES" smtClean="0"/>
+              <a:rPr lang="es-ES"/>
               <a:t>Editar el estilo de texto del patrón</a:t>
             </a:r>
           </a:p>
           <a:p>
             <a:pPr lvl="1"/>
             <a:r>
-              <a:rPr lang="es-ES" smtClean="0"/>
+              <a:rPr lang="es-ES"/>
               <a:t>Segundo nivel</a:t>
             </a:r>
           </a:p>
           <a:p>
             <a:pPr lvl="2"/>
             <a:r>
-              <a:rPr lang="es-ES" smtClean="0"/>
+              <a:rPr lang="es-ES"/>
               <a:t>Tercer nivel</a:t>
             </a:r>
           </a:p>
           <a:p>
             <a:pPr lvl="3"/>
             <a:r>
-              <a:rPr lang="es-ES" smtClean="0"/>
+              <a:rPr lang="es-ES"/>
               <a:t>Cuarto nivel</a:t>
             </a:r>
           </a:p>
           <a:p>
             <a:pPr lvl="4"/>
             <a:r>
-              <a:rPr lang="es-ES" smtClean="0"/>
+              <a:rPr lang="es-ES"/>
               <a:t>Quinto nivel</a:t>
             </a:r>
             <a:endParaRPr lang="ca-ES"/>
@@ -2567,7 +2567,7 @@
           <a:p>
             <a:fld id="{A6AC8A5A-C607-48A2-A44C-88559C6B71C1}" type="datetimeFigureOut">
               <a:rPr lang="ca-ES" smtClean="0"/>
-              <a:t>23/12/2022</a:t>
+              <a:t>30/12/2022</a:t>
             </a:fld>
             <a:endParaRPr lang="ca-ES"/>
           </a:p>
@@ -3764,7 +3764,7 @@
           <a:lstStyle/>
           <a:p>
             <a:r>
-              <a:rPr lang="es-ES" b="1" dirty="0" smtClean="0">
+              <a:rPr lang="es-ES" b="1" dirty="0">
                 <a:solidFill>
                   <a:srgbClr val="FF0000"/>
                 </a:solidFill>
@@ -3802,7 +3802,7 @@
           <a:lstStyle/>
           <a:p>
             <a:r>
-              <a:rPr lang="es-ES" b="1" dirty="0" smtClean="0">
+              <a:rPr lang="es-ES" b="1" dirty="0">
                 <a:solidFill>
                   <a:srgbClr val="FF0000"/>
                 </a:solidFill>
@@ -3840,7 +3840,7 @@
           <a:lstStyle/>
           <a:p>
             <a:r>
-              <a:rPr lang="es-ES" b="1" dirty="0" smtClean="0">
+              <a:rPr lang="es-ES" b="1" dirty="0">
                 <a:solidFill>
                   <a:srgbClr val="FF0000"/>
                 </a:solidFill>
@@ -3878,7 +3878,7 @@
           <a:lstStyle/>
           <a:p>
             <a:r>
-              <a:rPr lang="es-ES" b="1" dirty="0" smtClean="0">
+              <a:rPr lang="es-ES" b="1" dirty="0">
                 <a:solidFill>
                   <a:srgbClr val="FF0000"/>
                 </a:solidFill>
@@ -3916,7 +3916,7 @@
           <a:lstStyle/>
           <a:p>
             <a:r>
-              <a:rPr lang="es-ES" b="1" dirty="0" smtClean="0">
+              <a:rPr lang="es-ES" b="1" dirty="0">
                 <a:solidFill>
                   <a:srgbClr val="FF0000"/>
                 </a:solidFill>
@@ -3954,7 +3954,7 @@
           <a:lstStyle/>
           <a:p>
             <a:r>
-              <a:rPr lang="es-ES" b="1" dirty="0" smtClean="0">
+              <a:rPr lang="es-ES" b="1" dirty="0">
                 <a:solidFill>
                   <a:srgbClr val="FF0000"/>
                 </a:solidFill>
@@ -3992,7 +3992,7 @@
           <a:lstStyle/>
           <a:p>
             <a:r>
-              <a:rPr lang="es-ES" b="1" dirty="0" smtClean="0">
+              <a:rPr lang="es-ES" b="1" dirty="0">
                 <a:solidFill>
                   <a:srgbClr val="FF0000"/>
                 </a:solidFill>
@@ -4030,7 +4030,7 @@
           <a:lstStyle/>
           <a:p>
             <a:r>
-              <a:rPr lang="es-ES" b="1" dirty="0" smtClean="0">
+              <a:rPr lang="es-ES" b="1" dirty="0">
                 <a:solidFill>
                   <a:srgbClr val="FF0000"/>
                 </a:solidFill>
@@ -4091,7 +4091,7 @@
           <a:lstStyle/>
           <a:p>
             <a:r>
-              <a:rPr lang="es-ES" dirty="0" smtClean="0"/>
+              <a:rPr lang="es-ES" dirty="0"/>
               <a:t>Z</a:t>
             </a:r>
             <a:endParaRPr lang="ca-ES" dirty="0"/>
@@ -4133,7 +4133,7 @@
         </p:blipFill>
         <p:spPr>
           <a:xfrm>
-            <a:off x="0" y="0"/>
+            <a:off x="0" y="-50875"/>
             <a:ext cx="12547600" cy="6858000"/>
           </a:xfrm>
           <a:prstGeom prst="rect">
@@ -4824,12 +4824,12 @@
           <a:lstStyle/>
           <a:p>
             <a:r>
-              <a:rPr lang="es-ES" b="1" dirty="0" smtClean="0">
+              <a:rPr lang="es-ES" b="1" dirty="0">
                 <a:solidFill>
                   <a:srgbClr val="FF0000"/>
                 </a:solidFill>
               </a:rPr>
-              <a:t>L2=100 km</a:t>
+              <a:t>L7=100 km</a:t>
             </a:r>
             <a:endParaRPr lang="ca-ES" b="1" dirty="0">
               <a:solidFill>
@@ -4862,12 +4862,12 @@
           <a:lstStyle/>
           <a:p>
             <a:r>
-              <a:rPr lang="es-ES" b="1" dirty="0" smtClean="0">
+              <a:rPr lang="es-ES" b="1" dirty="0">
                 <a:solidFill>
                   <a:srgbClr val="FF0000"/>
                 </a:solidFill>
               </a:rPr>
-              <a:t>L8=140 km</a:t>
+              <a:t>L6=140 km</a:t>
             </a:r>
             <a:endParaRPr lang="ca-ES" b="1" dirty="0">
               <a:solidFill>
@@ -4900,12 +4900,12 @@
           <a:lstStyle/>
           <a:p>
             <a:r>
-              <a:rPr lang="es-ES" b="1" dirty="0" smtClean="0">
+              <a:rPr lang="es-ES" b="1" dirty="0">
                 <a:solidFill>
                   <a:srgbClr val="FF0000"/>
                 </a:solidFill>
               </a:rPr>
-              <a:t>L6=200 km</a:t>
+              <a:t>L4=200 km</a:t>
             </a:r>
             <a:endParaRPr lang="ca-ES" b="1" dirty="0">
               <a:solidFill>
@@ -4938,12 +4938,12 @@
           <a:lstStyle/>
           <a:p>
             <a:r>
-              <a:rPr lang="es-ES" b="1" dirty="0" smtClean="0">
+              <a:rPr lang="es-ES" b="1" dirty="0">
                 <a:solidFill>
                   <a:srgbClr val="FF0000"/>
                 </a:solidFill>
               </a:rPr>
-              <a:t>L5=100 km</a:t>
+              <a:t>L1=100 km</a:t>
             </a:r>
             <a:endParaRPr lang="ca-ES" b="1" dirty="0">
               <a:solidFill>
@@ -4976,12 +4976,12 @@
           <a:lstStyle/>
           <a:p>
             <a:r>
-              <a:rPr lang="es-ES" b="1" dirty="0" smtClean="0">
+              <a:rPr lang="es-ES" b="1" dirty="0">
                 <a:solidFill>
                   <a:srgbClr val="FF0000"/>
                 </a:solidFill>
               </a:rPr>
-              <a:t>L7=140 km</a:t>
+              <a:t>L5=140 km</a:t>
             </a:r>
             <a:endParaRPr lang="ca-ES" b="1" dirty="0">
               <a:solidFill>
@@ -5014,12 +5014,12 @@
           <a:lstStyle/>
           <a:p>
             <a:r>
-              <a:rPr lang="es-ES" b="1" dirty="0" smtClean="0">
+              <a:rPr lang="es-ES" b="1" dirty="0">
                 <a:solidFill>
                   <a:srgbClr val="FF0000"/>
                 </a:solidFill>
               </a:rPr>
-              <a:t>L4=140 km</a:t>
+              <a:t>L2=140 km</a:t>
             </a:r>
             <a:endParaRPr lang="ca-ES" b="1" dirty="0">
               <a:solidFill>
@@ -5052,12 +5052,12 @@
           <a:lstStyle/>
           <a:p>
             <a:r>
-              <a:rPr lang="es-ES" b="1" dirty="0" smtClean="0">
+              <a:rPr lang="es-ES" b="1" dirty="0">
                 <a:solidFill>
                   <a:srgbClr val="FF0000"/>
                 </a:solidFill>
               </a:rPr>
-              <a:t>L1=100 km</a:t>
+              <a:t>L8=100 km</a:t>
             </a:r>
             <a:endParaRPr lang="ca-ES" b="1" dirty="0">
               <a:solidFill>
@@ -5090,7 +5090,7 @@
           <a:lstStyle/>
           <a:p>
             <a:r>
-              <a:rPr lang="es-ES" b="1" dirty="0" smtClean="0">
+              <a:rPr lang="es-ES" b="1" dirty="0">
                 <a:solidFill>
                   <a:srgbClr val="FF0000"/>
                 </a:solidFill>
@@ -5375,6 +5375,438 @@
           </a:fontRef>
         </p:style>
       </p:cxnSp>
+      <p:sp>
+        <p:nvSpPr>
+          <p:cNvPr id="5" name="CuadroTexto 4">
+            <a:extLst>
+              <a:ext uri="{FF2B5EF4-FFF2-40B4-BE49-F238E27FC236}">
+                <a16:creationId xmlns:a16="http://schemas.microsoft.com/office/drawing/2014/main" id="{DBA68F42-0763-CE88-2118-8175E8A6822F}"/>
+              </a:ext>
+            </a:extLst>
+          </p:cNvPr>
+          <p:cNvSpPr txBox="1"/>
+          <p:nvPr/>
+        </p:nvSpPr>
+        <p:spPr>
+          <a:xfrm>
+            <a:off x="8244803" y="175356"/>
+            <a:ext cx="1210557" cy="369332"/>
+          </a:xfrm>
+          <a:prstGeom prst="rect">
+            <a:avLst/>
+          </a:prstGeom>
+          <a:noFill/>
+        </p:spPr>
+        <p:txBody>
+          <a:bodyPr wrap="square" rtlCol="0">
+            <a:spAutoFit/>
+          </a:bodyPr>
+          <a:lstStyle/>
+          <a:p>
+            <a:r>
+              <a:rPr lang="es-ES" b="1" dirty="0">
+                <a:solidFill>
+                  <a:schemeClr val="accent1">
+                    <a:lumMod val="75000"/>
+                  </a:schemeClr>
+                </a:solidFill>
+              </a:rPr>
+              <a:t>B0</a:t>
+            </a:r>
+            <a:endParaRPr lang="ca-ES" b="1" dirty="0">
+              <a:solidFill>
+                <a:schemeClr val="accent1">
+                  <a:lumMod val="75000"/>
+                </a:schemeClr>
+              </a:solidFill>
+            </a:endParaRPr>
+          </a:p>
+        </p:txBody>
+      </p:sp>
+      <p:sp>
+        <p:nvSpPr>
+          <p:cNvPr id="7" name="CuadroTexto 6">
+            <a:extLst>
+              <a:ext uri="{FF2B5EF4-FFF2-40B4-BE49-F238E27FC236}">
+                <a16:creationId xmlns:a16="http://schemas.microsoft.com/office/drawing/2014/main" id="{C3F0D739-55F7-8991-4DE6-FB5D835275FD}"/>
+              </a:ext>
+            </a:extLst>
+          </p:cNvPr>
+          <p:cNvSpPr txBox="1"/>
+          <p:nvPr/>
+        </p:nvSpPr>
+        <p:spPr>
+          <a:xfrm>
+            <a:off x="10361594" y="1409536"/>
+            <a:ext cx="1210557" cy="369332"/>
+          </a:xfrm>
+          <a:prstGeom prst="rect">
+            <a:avLst/>
+          </a:prstGeom>
+          <a:noFill/>
+        </p:spPr>
+        <p:txBody>
+          <a:bodyPr wrap="square" rtlCol="0">
+            <a:spAutoFit/>
+          </a:bodyPr>
+          <a:lstStyle/>
+          <a:p>
+            <a:r>
+              <a:rPr lang="es-ES" b="1" dirty="0">
+                <a:solidFill>
+                  <a:schemeClr val="accent1">
+                    <a:lumMod val="75000"/>
+                  </a:schemeClr>
+                </a:solidFill>
+              </a:rPr>
+              <a:t>B2</a:t>
+            </a:r>
+            <a:endParaRPr lang="ca-ES" b="1" dirty="0">
+              <a:solidFill>
+                <a:schemeClr val="accent1">
+                  <a:lumMod val="75000"/>
+                </a:schemeClr>
+              </a:solidFill>
+            </a:endParaRPr>
+          </a:p>
+        </p:txBody>
+      </p:sp>
+      <p:sp>
+        <p:nvSpPr>
+          <p:cNvPr id="9" name="CuadroTexto 8">
+            <a:extLst>
+              <a:ext uri="{FF2B5EF4-FFF2-40B4-BE49-F238E27FC236}">
+                <a16:creationId xmlns:a16="http://schemas.microsoft.com/office/drawing/2014/main" id="{591E154F-6D18-E1B7-75E7-C1E46C29DA0C}"/>
+              </a:ext>
+            </a:extLst>
+          </p:cNvPr>
+          <p:cNvSpPr txBox="1"/>
+          <p:nvPr/>
+        </p:nvSpPr>
+        <p:spPr>
+          <a:xfrm>
+            <a:off x="8253569" y="1752494"/>
+            <a:ext cx="1210557" cy="369332"/>
+          </a:xfrm>
+          <a:prstGeom prst="rect">
+            <a:avLst/>
+          </a:prstGeom>
+          <a:noFill/>
+        </p:spPr>
+        <p:txBody>
+          <a:bodyPr wrap="square" rtlCol="0">
+            <a:spAutoFit/>
+          </a:bodyPr>
+          <a:lstStyle/>
+          <a:p>
+            <a:r>
+              <a:rPr lang="es-ES" b="1" dirty="0">
+                <a:solidFill>
+                  <a:schemeClr val="accent1">
+                    <a:lumMod val="75000"/>
+                  </a:schemeClr>
+                </a:solidFill>
+              </a:rPr>
+              <a:t>B1</a:t>
+            </a:r>
+            <a:endParaRPr lang="ca-ES" b="1" dirty="0">
+              <a:solidFill>
+                <a:schemeClr val="accent1">
+                  <a:lumMod val="75000"/>
+                </a:schemeClr>
+              </a:solidFill>
+            </a:endParaRPr>
+          </a:p>
+        </p:txBody>
+      </p:sp>
+      <p:sp>
+        <p:nvSpPr>
+          <p:cNvPr id="10" name="CuadroTexto 9">
+            <a:extLst>
+              <a:ext uri="{FF2B5EF4-FFF2-40B4-BE49-F238E27FC236}">
+                <a16:creationId xmlns:a16="http://schemas.microsoft.com/office/drawing/2014/main" id="{C650EE10-D324-D774-3B4C-B2AE1EF8E02D}"/>
+              </a:ext>
+            </a:extLst>
+          </p:cNvPr>
+          <p:cNvSpPr txBox="1"/>
+          <p:nvPr/>
+        </p:nvSpPr>
+        <p:spPr>
+          <a:xfrm>
+            <a:off x="3540741" y="5302797"/>
+            <a:ext cx="1210557" cy="369332"/>
+          </a:xfrm>
+          <a:prstGeom prst="rect">
+            <a:avLst/>
+          </a:prstGeom>
+          <a:noFill/>
+        </p:spPr>
+        <p:txBody>
+          <a:bodyPr wrap="square" rtlCol="0">
+            <a:spAutoFit/>
+          </a:bodyPr>
+          <a:lstStyle/>
+          <a:p>
+            <a:r>
+              <a:rPr lang="es-ES" b="1" dirty="0">
+                <a:solidFill>
+                  <a:schemeClr val="accent1">
+                    <a:lumMod val="75000"/>
+                  </a:schemeClr>
+                </a:solidFill>
+              </a:rPr>
+              <a:t>B5</a:t>
+            </a:r>
+            <a:endParaRPr lang="ca-ES" b="1" dirty="0">
+              <a:solidFill>
+                <a:schemeClr val="accent1">
+                  <a:lumMod val="75000"/>
+                </a:schemeClr>
+              </a:solidFill>
+            </a:endParaRPr>
+          </a:p>
+        </p:txBody>
+      </p:sp>
+      <p:sp>
+        <p:nvSpPr>
+          <p:cNvPr id="12" name="CuadroTexto 11">
+            <a:extLst>
+              <a:ext uri="{FF2B5EF4-FFF2-40B4-BE49-F238E27FC236}">
+                <a16:creationId xmlns:a16="http://schemas.microsoft.com/office/drawing/2014/main" id="{8AF0E525-144B-E77B-A24D-FD613D5035C3}"/>
+              </a:ext>
+            </a:extLst>
+          </p:cNvPr>
+          <p:cNvSpPr txBox="1"/>
+          <p:nvPr/>
+        </p:nvSpPr>
+        <p:spPr>
+          <a:xfrm>
+            <a:off x="1265337" y="3816628"/>
+            <a:ext cx="1210557" cy="369332"/>
+          </a:xfrm>
+          <a:prstGeom prst="rect">
+            <a:avLst/>
+          </a:prstGeom>
+          <a:noFill/>
+        </p:spPr>
+        <p:txBody>
+          <a:bodyPr wrap="square" rtlCol="0">
+            <a:spAutoFit/>
+          </a:bodyPr>
+          <a:lstStyle/>
+          <a:p>
+            <a:r>
+              <a:rPr lang="es-ES" b="1" dirty="0">
+                <a:solidFill>
+                  <a:schemeClr val="accent1">
+                    <a:lumMod val="75000"/>
+                  </a:schemeClr>
+                </a:solidFill>
+              </a:rPr>
+              <a:t>B4</a:t>
+            </a:r>
+            <a:endParaRPr lang="ca-ES" b="1" dirty="0">
+              <a:solidFill>
+                <a:schemeClr val="accent1">
+                  <a:lumMod val="75000"/>
+                </a:schemeClr>
+              </a:solidFill>
+            </a:endParaRPr>
+          </a:p>
+        </p:txBody>
+      </p:sp>
+      <p:sp>
+        <p:nvSpPr>
+          <p:cNvPr id="14" name="CuadroTexto 13">
+            <a:extLst>
+              <a:ext uri="{FF2B5EF4-FFF2-40B4-BE49-F238E27FC236}">
+                <a16:creationId xmlns:a16="http://schemas.microsoft.com/office/drawing/2014/main" id="{447BE452-EB70-7B3C-2294-966C062F6F2E}"/>
+              </a:ext>
+            </a:extLst>
+          </p:cNvPr>
+          <p:cNvSpPr txBox="1"/>
+          <p:nvPr/>
+        </p:nvSpPr>
+        <p:spPr>
+          <a:xfrm>
+            <a:off x="3729696" y="1752494"/>
+            <a:ext cx="1210557" cy="369332"/>
+          </a:xfrm>
+          <a:prstGeom prst="rect">
+            <a:avLst/>
+          </a:prstGeom>
+          <a:noFill/>
+        </p:spPr>
+        <p:txBody>
+          <a:bodyPr wrap="square" rtlCol="0">
+            <a:spAutoFit/>
+          </a:bodyPr>
+          <a:lstStyle/>
+          <a:p>
+            <a:r>
+              <a:rPr lang="es-ES" b="1" dirty="0">
+                <a:solidFill>
+                  <a:schemeClr val="accent1">
+                    <a:lumMod val="75000"/>
+                  </a:schemeClr>
+                </a:solidFill>
+              </a:rPr>
+              <a:t>B3</a:t>
+            </a:r>
+            <a:endParaRPr lang="ca-ES" b="1" dirty="0">
+              <a:solidFill>
+                <a:schemeClr val="accent1">
+                  <a:lumMod val="75000"/>
+                </a:schemeClr>
+              </a:solidFill>
+            </a:endParaRPr>
+          </a:p>
+        </p:txBody>
+      </p:sp>
+      <p:sp>
+        <p:nvSpPr>
+          <p:cNvPr id="16" name="CuadroTexto 15">
+            <a:extLst>
+              <a:ext uri="{FF2B5EF4-FFF2-40B4-BE49-F238E27FC236}">
+                <a16:creationId xmlns:a16="http://schemas.microsoft.com/office/drawing/2014/main" id="{ED915F16-46B1-83F1-E40B-5B7C9C4D74CA}"/>
+              </a:ext>
+            </a:extLst>
+          </p:cNvPr>
+          <p:cNvSpPr txBox="1"/>
+          <p:nvPr/>
+        </p:nvSpPr>
+        <p:spPr>
+          <a:xfrm>
+            <a:off x="5211954" y="3867594"/>
+            <a:ext cx="1210557" cy="369332"/>
+          </a:xfrm>
+          <a:prstGeom prst="rect">
+            <a:avLst/>
+          </a:prstGeom>
+          <a:noFill/>
+        </p:spPr>
+        <p:txBody>
+          <a:bodyPr wrap="square" rtlCol="0">
+            <a:spAutoFit/>
+          </a:bodyPr>
+          <a:lstStyle/>
+          <a:p>
+            <a:r>
+              <a:rPr lang="es-ES" b="1" dirty="0">
+                <a:solidFill>
+                  <a:schemeClr val="accent1">
+                    <a:lumMod val="75000"/>
+                  </a:schemeClr>
+                </a:solidFill>
+              </a:rPr>
+              <a:t>B6</a:t>
+            </a:r>
+            <a:endParaRPr lang="ca-ES" b="1" dirty="0">
+              <a:solidFill>
+                <a:schemeClr val="accent1">
+                  <a:lumMod val="75000"/>
+                </a:schemeClr>
+              </a:solidFill>
+            </a:endParaRPr>
+          </a:p>
+        </p:txBody>
+      </p:sp>
+      <p:sp>
+        <p:nvSpPr>
+          <p:cNvPr id="18" name="CuadroTexto 17">
+            <a:extLst>
+              <a:ext uri="{FF2B5EF4-FFF2-40B4-BE49-F238E27FC236}">
+                <a16:creationId xmlns:a16="http://schemas.microsoft.com/office/drawing/2014/main" id="{0FE88A69-BF8F-0E7E-AC4D-90E1051E9D03}"/>
+              </a:ext>
+            </a:extLst>
+          </p:cNvPr>
+          <p:cNvSpPr txBox="1"/>
+          <p:nvPr/>
+        </p:nvSpPr>
+        <p:spPr>
+          <a:xfrm>
+            <a:off x="10361594" y="4385834"/>
+            <a:ext cx="1210557" cy="369332"/>
+          </a:xfrm>
+          <a:prstGeom prst="rect">
+            <a:avLst/>
+          </a:prstGeom>
+          <a:noFill/>
+        </p:spPr>
+        <p:txBody>
+          <a:bodyPr wrap="square" rtlCol="0">
+            <a:spAutoFit/>
+          </a:bodyPr>
+          <a:lstStyle/>
+          <a:p>
+            <a:r>
+              <a:rPr lang="es-ES" b="1" dirty="0">
+                <a:solidFill>
+                  <a:schemeClr val="accent1">
+                    <a:lumMod val="75000"/>
+                  </a:schemeClr>
+                </a:solidFill>
+              </a:rPr>
+              <a:t>B8</a:t>
+            </a:r>
+            <a:endParaRPr lang="ca-ES" b="1" dirty="0">
+              <a:solidFill>
+                <a:schemeClr val="accent1">
+                  <a:lumMod val="75000"/>
+                </a:schemeClr>
+              </a:solidFill>
+            </a:endParaRPr>
+          </a:p>
+        </p:txBody>
+      </p:sp>
+      <p:sp>
+        <p:nvSpPr>
+          <p:cNvPr id="22" name="CuadroTexto 21">
+            <a:extLst>
+              <a:ext uri="{FF2B5EF4-FFF2-40B4-BE49-F238E27FC236}">
+                <a16:creationId xmlns:a16="http://schemas.microsoft.com/office/drawing/2014/main" id="{1588A919-72CF-DF80-9AAE-AF140DD151A7}"/>
+              </a:ext>
+            </a:extLst>
+          </p:cNvPr>
+          <p:cNvSpPr txBox="1"/>
+          <p:nvPr/>
+        </p:nvSpPr>
+        <p:spPr>
+          <a:xfrm>
+            <a:off x="8416096" y="4622400"/>
+            <a:ext cx="1210557" cy="369332"/>
+          </a:xfrm>
+          <a:prstGeom prst="rect">
+            <a:avLst/>
+          </a:prstGeom>
+          <a:noFill/>
+        </p:spPr>
+        <p:txBody>
+          <a:bodyPr wrap="square" rtlCol="0">
+            <a:spAutoFit/>
+          </a:bodyPr>
+          <a:lstStyle/>
+          <a:p>
+            <a:r>
+              <a:rPr lang="es-ES" b="1" dirty="0">
+                <a:solidFill>
+                  <a:schemeClr val="accent1">
+                    <a:lumMod val="75000"/>
+                  </a:schemeClr>
+                </a:solidFill>
+              </a:rPr>
+              <a:t>B7</a:t>
+            </a:r>
+            <a:endParaRPr lang="ca-ES" b="1" dirty="0">
+              <a:solidFill>
+                <a:schemeClr val="accent1">
+                  <a:lumMod val="75000"/>
+                </a:schemeClr>
+              </a:solidFill>
+            </a:endParaRPr>
+          </a:p>
+        </p:txBody>
+      </p:sp>
     </p:spTree>
     <p:extLst>
       <p:ext uri="{BB962C8B-B14F-4D97-AF65-F5344CB8AC3E}">
@@ -5578,7 +6010,7 @@
           <a:lstStyle/>
           <a:p>
             <a:r>
-              <a:rPr lang="es-ES" sz="1100" dirty="0" smtClean="0"/>
+              <a:rPr lang="es-ES" sz="1100" dirty="0"/>
               <a:t>12m</a:t>
             </a:r>
             <a:endParaRPr lang="ca-ES" sz="1100" dirty="0"/>
@@ -5611,11 +6043,7 @@
           <a:p>
             <a:r>
               <a:rPr lang="es-ES" sz="1100" dirty="0"/>
-              <a:t>3</a:t>
-            </a:r>
-            <a:r>
-              <a:rPr lang="es-ES" sz="1100" dirty="0" smtClean="0"/>
-              <a:t>m</a:t>
+              <a:t>3m</a:t>
             </a:r>
             <a:endParaRPr lang="ca-ES" sz="1100" dirty="0"/>
           </a:p>
@@ -5647,11 +6075,7 @@
           <a:p>
             <a:r>
               <a:rPr lang="es-ES" sz="1100" dirty="0"/>
-              <a:t>8</a:t>
-            </a:r>
-            <a:r>
-              <a:rPr lang="es-ES" sz="1100" dirty="0" smtClean="0"/>
-              <a:t>m</a:t>
+              <a:t>8m</a:t>
             </a:r>
             <a:endParaRPr lang="ca-ES" sz="1100" dirty="0"/>
           </a:p>
@@ -5682,7 +6106,7 @@
           <a:lstStyle/>
           <a:p>
             <a:r>
-              <a:rPr lang="es-ES" sz="1100" dirty="0" smtClean="0"/>
+              <a:rPr lang="es-ES" sz="1100" dirty="0"/>
               <a:t>6m</a:t>
             </a:r>
             <a:endParaRPr lang="ca-ES" sz="1100" dirty="0"/>
@@ -5714,7 +6138,7 @@
           <a:lstStyle/>
           <a:p>
             <a:r>
-              <a:rPr lang="es-ES" sz="1100" dirty="0" smtClean="0"/>
+              <a:rPr lang="es-ES" sz="1100" dirty="0"/>
               <a:t>6m</a:t>
             </a:r>
             <a:endParaRPr lang="ca-ES" sz="1100" dirty="0"/>
@@ -5746,7 +6170,7 @@
           <a:lstStyle/>
           <a:p>
             <a:r>
-              <a:rPr lang="es-ES" sz="1100" dirty="0" smtClean="0"/>
+              <a:rPr lang="es-ES" sz="1100" dirty="0"/>
               <a:t>6m</a:t>
             </a:r>
             <a:endParaRPr lang="ca-ES" sz="1100" dirty="0"/>
@@ -5778,7 +6202,7 @@
           <a:lstStyle/>
           <a:p>
             <a:r>
-              <a:rPr lang="es-ES" sz="1100" dirty="0" smtClean="0"/>
+              <a:rPr lang="es-ES" sz="1100" dirty="0"/>
               <a:t>6m</a:t>
             </a:r>
             <a:endParaRPr lang="ca-ES" sz="1100" dirty="0"/>
@@ -5808,7 +6232,7 @@
           <a:lstStyle/>
           <a:p>
             <a:r>
-              <a:rPr lang="es-ES" dirty="0" smtClean="0"/>
+              <a:rPr lang="es-ES" dirty="0"/>
               <a:t>Single line</a:t>
             </a:r>
             <a:endParaRPr lang="ca-ES" dirty="0"/>
@@ -5840,7 +6264,7 @@
           <a:lstStyle/>
           <a:p>
             <a:r>
-              <a:rPr lang="es-ES" dirty="0" smtClean="0"/>
+              <a:rPr lang="es-ES" dirty="0"/>
               <a:t>Single line</a:t>
             </a:r>
             <a:endParaRPr lang="ca-ES" dirty="0"/>
@@ -5872,7 +6296,7 @@
           <a:lstStyle/>
           <a:p>
             <a:r>
-              <a:rPr lang="es-ES" dirty="0" smtClean="0"/>
+              <a:rPr lang="es-ES" dirty="0"/>
               <a:t>Bundle line</a:t>
             </a:r>
             <a:endParaRPr lang="ca-ES" dirty="0"/>
@@ -5902,7 +6326,7 @@
           <a:lstStyle/>
           <a:p>
             <a:r>
-              <a:rPr lang="es-ES" dirty="0" smtClean="0"/>
+              <a:rPr lang="es-ES" dirty="0"/>
               <a:t>Single line</a:t>
             </a:r>
             <a:endParaRPr lang="ca-ES" dirty="0"/>
@@ -5934,7 +6358,7 @@
           <a:lstStyle/>
           <a:p>
             <a:r>
-              <a:rPr lang="es-ES" dirty="0" smtClean="0"/>
+              <a:rPr lang="es-ES" dirty="0"/>
               <a:t>Double line</a:t>
             </a:r>
             <a:endParaRPr lang="ca-ES" dirty="0"/>
@@ -5966,7 +6390,7 @@
           <a:lstStyle/>
           <a:p>
             <a:r>
-              <a:rPr lang="es-ES" sz="1100" dirty="0" smtClean="0"/>
+              <a:rPr lang="es-ES" sz="1100" dirty="0"/>
               <a:t>Dbundle= 0,3</a:t>
             </a:r>
             <a:endParaRPr lang="ca-ES" sz="1100" dirty="0"/>

--- a/powerSystem_plantdistribution.pptx
+++ b/powerSystem_plantdistribution.pptx
@@ -8,7 +8,8 @@
     <p:sldId id="256" r:id="rId2"/>
     <p:sldId id="257" r:id="rId3"/>
     <p:sldId id="258" r:id="rId4"/>
-    <p:sldId id="259" r:id="rId5"/>
+    <p:sldId id="260" r:id="rId5"/>
+    <p:sldId id="259" r:id="rId6"/>
   </p:sldIdLst>
   <p:sldSz cx="12192000" cy="6858000"/>
   <p:notesSz cx="6858000" cy="9144000"/>
@@ -5533,7 +5534,7 @@
         </p:nvSpPr>
         <p:spPr>
           <a:xfrm>
-            <a:off x="3540741" y="5302797"/>
+            <a:off x="3792196" y="5409783"/>
             <a:ext cx="1210557" cy="369332"/>
           </a:xfrm>
           <a:prstGeom prst="rect">
@@ -5821,6 +5822,1857 @@
 </file>
 
 <file path=ppt/slides/slide4.xml><?xml version="1.0" encoding="utf-8"?>
+<p:sld xmlns:a="http://schemas.openxmlformats.org/drawingml/2006/main" xmlns:r="http://schemas.openxmlformats.org/officeDocument/2006/relationships" xmlns:p="http://schemas.openxmlformats.org/presentationml/2006/main">
+  <p:cSld>
+    <p:spTree>
+      <p:nvGrpSpPr>
+        <p:cNvPr id="1" name=""/>
+        <p:cNvGrpSpPr/>
+        <p:nvPr/>
+      </p:nvGrpSpPr>
+      <p:grpSpPr>
+        <a:xfrm>
+          <a:off x="0" y="0"/>
+          <a:ext cx="0" cy="0"/>
+          <a:chOff x="0" y="0"/>
+          <a:chExt cx="0" cy="0"/>
+        </a:xfrm>
+      </p:grpSpPr>
+      <p:sp>
+        <p:nvSpPr>
+          <p:cNvPr id="2" name="Título 1"/>
+          <p:cNvSpPr>
+            <a:spLocks noGrp="1"/>
+          </p:cNvSpPr>
+          <p:nvPr>
+            <p:ph type="title"/>
+          </p:nvPr>
+        </p:nvSpPr>
+        <p:spPr/>
+        <p:txBody>
+          <a:bodyPr/>
+          <a:lstStyle/>
+          <a:p>
+            <a:r>
+              <a:rPr lang="es-ES" dirty="0"/>
+              <a:t>Z</a:t>
+            </a:r>
+            <a:endParaRPr lang="ca-ES" dirty="0"/>
+          </a:p>
+        </p:txBody>
+      </p:sp>
+      <p:sp>
+        <p:nvSpPr>
+          <p:cNvPr id="3" name="Marcador de contenido 2"/>
+          <p:cNvSpPr>
+            <a:spLocks noGrp="1"/>
+          </p:cNvSpPr>
+          <p:nvPr>
+            <p:ph idx="1"/>
+          </p:nvPr>
+        </p:nvSpPr>
+        <p:spPr/>
+        <p:txBody>
+          <a:bodyPr/>
+          <a:lstStyle/>
+          <a:p>
+            <a:endParaRPr lang="ca-ES"/>
+          </a:p>
+        </p:txBody>
+      </p:sp>
+      <p:pic>
+        <p:nvPicPr>
+          <p:cNvPr id="4" name="Imagen 3"/>
+          <p:cNvPicPr>
+            <a:picLocks noChangeAspect="1"/>
+          </p:cNvPicPr>
+          <p:nvPr/>
+        </p:nvPicPr>
+        <p:blipFill>
+          <a:blip r:embed="rId2"/>
+          <a:stretch>
+            <a:fillRect/>
+          </a:stretch>
+        </p:blipFill>
+        <p:spPr>
+          <a:xfrm>
+            <a:off x="0" y="-50875"/>
+            <a:ext cx="12547600" cy="6858000"/>
+          </a:xfrm>
+          <a:prstGeom prst="rect">
+            <a:avLst/>
+          </a:prstGeom>
+          <a:ln>
+            <a:solidFill>
+              <a:schemeClr val="bg1">
+                <a:lumMod val="75000"/>
+              </a:schemeClr>
+            </a:solidFill>
+          </a:ln>
+        </p:spPr>
+      </p:pic>
+      <p:pic>
+        <p:nvPicPr>
+          <p:cNvPr id="6" name="Imagen 5"/>
+          <p:cNvPicPr>
+            <a:picLocks noChangeAspect="1"/>
+          </p:cNvPicPr>
+          <p:nvPr/>
+        </p:nvPicPr>
+        <p:blipFill rotWithShape="1">
+          <a:blip r:embed="rId3"/>
+          <a:srcRect l="16202" t="8024" r="5312" b="13154"/>
+          <a:stretch/>
+        </p:blipFill>
+        <p:spPr>
+          <a:xfrm>
+            <a:off x="5507617" y="4245330"/>
+            <a:ext cx="527719" cy="426720"/>
+          </a:xfrm>
+          <a:prstGeom prst="rect">
+            <a:avLst/>
+          </a:prstGeom>
+        </p:spPr>
+      </p:pic>
+      <p:pic>
+        <p:nvPicPr>
+          <p:cNvPr id="1026" name="Picture 2" descr="Hydropower"/>
+          <p:cNvPicPr>
+            <a:picLocks noChangeAspect="1" noChangeArrowheads="1"/>
+          </p:cNvPicPr>
+          <p:nvPr/>
+        </p:nvPicPr>
+        <p:blipFill>
+          <a:blip r:embed="rId4" cstate="print">
+            <a:extLst>
+              <a:ext uri="{28A0092B-C50C-407E-A947-70E740481C1C}">
+                <a14:useLocalDpi xmlns:a14="http://schemas.microsoft.com/office/drawing/2010/main" val="0"/>
+              </a:ext>
+            </a:extLst>
+          </a:blip>
+          <a:srcRect/>
+          <a:stretch>
+            <a:fillRect/>
+          </a:stretch>
+        </p:blipFill>
+        <p:spPr bwMode="auto">
+          <a:xfrm>
+            <a:off x="3206894" y="1852139"/>
+            <a:ext cx="505431" cy="505532"/>
+          </a:xfrm>
+          <a:prstGeom prst="rect">
+            <a:avLst/>
+          </a:prstGeom>
+          <a:noFill/>
+          <a:extLst>
+            <a:ext uri="{909E8E84-426E-40DD-AFC4-6F175D3DCCD1}">
+              <a14:hiddenFill xmlns:a14="http://schemas.microsoft.com/office/drawing/2010/main">
+                <a:solidFill>
+                  <a:srgbClr val="FFFFFF"/>
+                </a:solidFill>
+              </a14:hiddenFill>
+            </a:ext>
+          </a:extLst>
+        </p:spPr>
+      </p:pic>
+      <p:pic>
+        <p:nvPicPr>
+          <p:cNvPr id="1034" name="Picture 10" descr="Atom Atomic Energy - Free vector graphic on Pixabay"/>
+          <p:cNvPicPr>
+            <a:picLocks noChangeAspect="1" noChangeArrowheads="1"/>
+          </p:cNvPicPr>
+          <p:nvPr/>
+        </p:nvPicPr>
+        <p:blipFill>
+          <a:blip r:embed="rId5" cstate="print">
+            <a:extLst>
+              <a:ext uri="{28A0092B-C50C-407E-A947-70E740481C1C}">
+                <a14:useLocalDpi xmlns:a14="http://schemas.microsoft.com/office/drawing/2010/main" val="0"/>
+              </a:ext>
+            </a:extLst>
+          </a:blip>
+          <a:srcRect/>
+          <a:stretch>
+            <a:fillRect/>
+          </a:stretch>
+        </p:blipFill>
+        <p:spPr bwMode="auto">
+          <a:xfrm>
+            <a:off x="9971781" y="1737445"/>
+            <a:ext cx="531593" cy="664491"/>
+          </a:xfrm>
+          <a:prstGeom prst="rect">
+            <a:avLst/>
+          </a:prstGeom>
+          <a:noFill/>
+          <a:extLst>
+            <a:ext uri="{909E8E84-426E-40DD-AFC4-6F175D3DCCD1}">
+              <a14:hiddenFill xmlns:a14="http://schemas.microsoft.com/office/drawing/2010/main">
+                <a:solidFill>
+                  <a:srgbClr val="FFFFFF"/>
+                </a:solidFill>
+              </a14:hiddenFill>
+            </a:ext>
+          </a:extLst>
+        </p:spPr>
+      </p:pic>
+      <p:pic>
+        <p:nvPicPr>
+          <p:cNvPr id="1038" name="Picture 14" descr="Concentrated photovoltaics (CPV) | Umicore"/>
+          <p:cNvPicPr>
+            <a:picLocks noChangeAspect="1" noChangeArrowheads="1"/>
+          </p:cNvPicPr>
+          <p:nvPr/>
+        </p:nvPicPr>
+        <p:blipFill>
+          <a:blip r:embed="rId6" cstate="print">
+            <a:extLst>
+              <a:ext uri="{28A0092B-C50C-407E-A947-70E740481C1C}">
+                <a14:useLocalDpi xmlns:a14="http://schemas.microsoft.com/office/drawing/2010/main" val="0"/>
+              </a:ext>
+            </a:extLst>
+          </a:blip>
+          <a:srcRect/>
+          <a:stretch>
+            <a:fillRect/>
+          </a:stretch>
+        </p:blipFill>
+        <p:spPr bwMode="auto">
+          <a:xfrm>
+            <a:off x="3075382" y="5672129"/>
+            <a:ext cx="760463" cy="590310"/>
+          </a:xfrm>
+          <a:prstGeom prst="rect">
+            <a:avLst/>
+          </a:prstGeom>
+          <a:noFill/>
+          <a:extLst>
+            <a:ext uri="{909E8E84-426E-40DD-AFC4-6F175D3DCCD1}">
+              <a14:hiddenFill xmlns:a14="http://schemas.microsoft.com/office/drawing/2010/main">
+                <a:solidFill>
+                  <a:srgbClr val="FFFFFF"/>
+                </a:solidFill>
+              </a14:hiddenFill>
+            </a:ext>
+          </a:extLst>
+        </p:spPr>
+      </p:pic>
+      <p:pic>
+        <p:nvPicPr>
+          <p:cNvPr id="1042" name="Picture 18" descr="Wind power Icon - Download in Glyph Style"/>
+          <p:cNvPicPr>
+            <a:picLocks noChangeAspect="1" noChangeArrowheads="1"/>
+          </p:cNvPicPr>
+          <p:nvPr/>
+        </p:nvPicPr>
+        <p:blipFill>
+          <a:blip r:embed="rId7">
+            <a:extLst>
+              <a:ext uri="{28A0092B-C50C-407E-A947-70E740481C1C}">
+                <a14:useLocalDpi xmlns:a14="http://schemas.microsoft.com/office/drawing/2010/main" val="0"/>
+              </a:ext>
+            </a:extLst>
+          </a:blip>
+          <a:srcRect/>
+          <a:stretch>
+            <a:fillRect/>
+          </a:stretch>
+        </p:blipFill>
+        <p:spPr bwMode="auto">
+          <a:xfrm>
+            <a:off x="9699699" y="3378125"/>
+            <a:ext cx="1104195" cy="1104195"/>
+          </a:xfrm>
+          <a:prstGeom prst="rect">
+            <a:avLst/>
+          </a:prstGeom>
+          <a:noFill/>
+          <a:extLst>
+            <a:ext uri="{909E8E84-426E-40DD-AFC4-6F175D3DCCD1}">
+              <a14:hiddenFill xmlns:a14="http://schemas.microsoft.com/office/drawing/2010/main">
+                <a:solidFill>
+                  <a:srgbClr val="FFFFFF"/>
+                </a:solidFill>
+              </a14:hiddenFill>
+            </a:ext>
+          </a:extLst>
+        </p:spPr>
+      </p:pic>
+      <p:pic>
+        <p:nvPicPr>
+          <p:cNvPr id="1046" name="Picture 22" descr="Energy, power, transformer, voltage icon - Download on Iconfinder"/>
+          <p:cNvPicPr>
+            <a:picLocks noChangeAspect="1" noChangeArrowheads="1"/>
+          </p:cNvPicPr>
+          <p:nvPr/>
+        </p:nvPicPr>
+        <p:blipFill>
+          <a:blip r:embed="rId8" cstate="print">
+            <a:extLst>
+              <a:ext uri="{28A0092B-C50C-407E-A947-70E740481C1C}">
+                <a14:useLocalDpi xmlns:a14="http://schemas.microsoft.com/office/drawing/2010/main" val="0"/>
+              </a:ext>
+            </a:extLst>
+          </a:blip>
+          <a:srcRect/>
+          <a:stretch>
+            <a:fillRect/>
+          </a:stretch>
+        </p:blipFill>
+        <p:spPr bwMode="auto">
+          <a:xfrm>
+            <a:off x="7684998" y="4482320"/>
+            <a:ext cx="668263" cy="668263"/>
+          </a:xfrm>
+          <a:prstGeom prst="rect">
+            <a:avLst/>
+          </a:prstGeom>
+          <a:noFill/>
+          <a:extLst>
+            <a:ext uri="{909E8E84-426E-40DD-AFC4-6F175D3DCCD1}">
+              <a14:hiddenFill xmlns:a14="http://schemas.microsoft.com/office/drawing/2010/main">
+                <a:solidFill>
+                  <a:srgbClr val="FFFFFF"/>
+                </a:solidFill>
+              </a14:hiddenFill>
+            </a:ext>
+          </a:extLst>
+        </p:spPr>
+      </p:pic>
+      <p:pic>
+        <p:nvPicPr>
+          <p:cNvPr id="19" name="Picture 22" descr="Energy, power, transformer, voltage icon - Download on Iconfinder"/>
+          <p:cNvPicPr>
+            <a:picLocks noChangeAspect="1" noChangeArrowheads="1"/>
+          </p:cNvPicPr>
+          <p:nvPr/>
+        </p:nvPicPr>
+        <p:blipFill>
+          <a:blip r:embed="rId8" cstate="print">
+            <a:extLst>
+              <a:ext uri="{28A0092B-C50C-407E-A947-70E740481C1C}">
+                <a14:useLocalDpi xmlns:a14="http://schemas.microsoft.com/office/drawing/2010/main" val="0"/>
+              </a:ext>
+            </a:extLst>
+          </a:blip>
+          <a:srcRect/>
+          <a:stretch>
+            <a:fillRect/>
+          </a:stretch>
+        </p:blipFill>
+        <p:spPr bwMode="auto">
+          <a:xfrm>
+            <a:off x="7684999" y="2054664"/>
+            <a:ext cx="668263" cy="668263"/>
+          </a:xfrm>
+          <a:prstGeom prst="rect">
+            <a:avLst/>
+          </a:prstGeom>
+          <a:noFill/>
+          <a:extLst>
+            <a:ext uri="{909E8E84-426E-40DD-AFC4-6F175D3DCCD1}">
+              <a14:hiddenFill xmlns:a14="http://schemas.microsoft.com/office/drawing/2010/main">
+                <a:solidFill>
+                  <a:srgbClr val="FFFFFF"/>
+                </a:solidFill>
+              </a14:hiddenFill>
+            </a:ext>
+          </a:extLst>
+        </p:spPr>
+      </p:pic>
+      <p:pic>
+        <p:nvPicPr>
+          <p:cNvPr id="20" name="Picture 22" descr="Energy, power, transformer, voltage icon - Download on Iconfinder"/>
+          <p:cNvPicPr>
+            <a:picLocks noChangeAspect="1" noChangeArrowheads="1"/>
+          </p:cNvPicPr>
+          <p:nvPr/>
+        </p:nvPicPr>
+        <p:blipFill>
+          <a:blip r:embed="rId8" cstate="print">
+            <a:extLst>
+              <a:ext uri="{28A0092B-C50C-407E-A947-70E740481C1C}">
+                <a14:useLocalDpi xmlns:a14="http://schemas.microsoft.com/office/drawing/2010/main" val="0"/>
+              </a:ext>
+            </a:extLst>
+          </a:blip>
+          <a:srcRect/>
+          <a:stretch>
+            <a:fillRect/>
+          </a:stretch>
+        </p:blipFill>
+        <p:spPr bwMode="auto">
+          <a:xfrm>
+            <a:off x="828072" y="4124559"/>
+            <a:ext cx="668263" cy="668263"/>
+          </a:xfrm>
+          <a:prstGeom prst="rect">
+            <a:avLst/>
+          </a:prstGeom>
+          <a:noFill/>
+          <a:extLst>
+            <a:ext uri="{909E8E84-426E-40DD-AFC4-6F175D3DCCD1}">
+              <a14:hiddenFill xmlns:a14="http://schemas.microsoft.com/office/drawing/2010/main">
+                <a:solidFill>
+                  <a:srgbClr val="FFFFFF"/>
+                </a:solidFill>
+              </a14:hiddenFill>
+            </a:ext>
+          </a:extLst>
+        </p:spPr>
+      </p:pic>
+      <p:pic>
+        <p:nvPicPr>
+          <p:cNvPr id="1050" name="Picture 26" descr="Xcel's proposal to buy gas power plant in Mankato should be denied - CUB  Minnesota"/>
+          <p:cNvPicPr>
+            <a:picLocks noChangeAspect="1" noChangeArrowheads="1"/>
+          </p:cNvPicPr>
+          <p:nvPr/>
+        </p:nvPicPr>
+        <p:blipFill>
+          <a:blip r:embed="rId9" cstate="print">
+            <a:extLst>
+              <a:ext uri="{28A0092B-C50C-407E-A947-70E740481C1C}">
+                <a14:useLocalDpi xmlns:a14="http://schemas.microsoft.com/office/drawing/2010/main" val="0"/>
+              </a:ext>
+            </a:extLst>
+          </a:blip>
+          <a:srcRect/>
+          <a:stretch>
+            <a:fillRect/>
+          </a:stretch>
+        </p:blipFill>
+        <p:spPr bwMode="auto">
+          <a:xfrm>
+            <a:off x="7514278" y="13754"/>
+            <a:ext cx="894171" cy="894171"/>
+          </a:xfrm>
+          <a:prstGeom prst="rect">
+            <a:avLst/>
+          </a:prstGeom>
+          <a:noFill/>
+          <a:extLst>
+            <a:ext uri="{909E8E84-426E-40DD-AFC4-6F175D3DCCD1}">
+              <a14:hiddenFill xmlns:a14="http://schemas.microsoft.com/office/drawing/2010/main">
+                <a:solidFill>
+                  <a:srgbClr val="FFFFFF"/>
+                </a:solidFill>
+              </a14:hiddenFill>
+            </a:ext>
+          </a:extLst>
+        </p:spPr>
+      </p:pic>
+      <p:cxnSp>
+        <p:nvCxnSpPr>
+          <p:cNvPr id="8" name="Conector recto 7"/>
+          <p:cNvCxnSpPr>
+            <a:endCxn id="1038" idx="0"/>
+          </p:cNvCxnSpPr>
+          <p:nvPr/>
+        </p:nvCxnSpPr>
+        <p:spPr>
+          <a:xfrm>
+            <a:off x="1502827" y="4414130"/>
+            <a:ext cx="1952787" cy="1257999"/>
+          </a:xfrm>
+          <a:prstGeom prst="line">
+            <a:avLst/>
+          </a:prstGeom>
+          <a:ln w="38100">
+            <a:solidFill>
+              <a:srgbClr val="FF0000"/>
+            </a:solidFill>
+          </a:ln>
+        </p:spPr>
+        <p:style>
+          <a:lnRef idx="1">
+            <a:schemeClr val="accent1"/>
+          </a:lnRef>
+          <a:fillRef idx="0">
+            <a:schemeClr val="accent1"/>
+          </a:fillRef>
+          <a:effectRef idx="0">
+            <a:schemeClr val="accent1"/>
+          </a:effectRef>
+          <a:fontRef idx="minor">
+            <a:schemeClr val="tx1"/>
+          </a:fontRef>
+        </p:style>
+      </p:cxnSp>
+      <p:cxnSp>
+        <p:nvCxnSpPr>
+          <p:cNvPr id="11" name="Conector recto 10"/>
+          <p:cNvCxnSpPr>
+            <a:stCxn id="1050" idx="2"/>
+            <a:endCxn id="19" idx="0"/>
+          </p:cNvCxnSpPr>
+          <p:nvPr/>
+        </p:nvCxnSpPr>
+        <p:spPr>
+          <a:xfrm>
+            <a:off x="7961364" y="907925"/>
+            <a:ext cx="1" cy="1129159"/>
+          </a:xfrm>
+          <a:prstGeom prst="line">
+            <a:avLst/>
+          </a:prstGeom>
+          <a:ln w="38100">
+            <a:solidFill>
+              <a:srgbClr val="FF0000"/>
+            </a:solidFill>
+          </a:ln>
+        </p:spPr>
+        <p:style>
+          <a:lnRef idx="1">
+            <a:schemeClr val="accent1"/>
+          </a:lnRef>
+          <a:fillRef idx="0">
+            <a:schemeClr val="accent1"/>
+          </a:fillRef>
+          <a:effectRef idx="0">
+            <a:schemeClr val="accent1"/>
+          </a:effectRef>
+          <a:fontRef idx="minor">
+            <a:schemeClr val="tx1"/>
+          </a:fontRef>
+        </p:style>
+      </p:cxnSp>
+      <p:cxnSp>
+        <p:nvCxnSpPr>
+          <p:cNvPr id="13" name="Conector recto 12"/>
+          <p:cNvCxnSpPr>
+            <a:stCxn id="6" idx="3"/>
+            <a:endCxn id="1046" idx="0"/>
+          </p:cNvCxnSpPr>
+          <p:nvPr/>
+        </p:nvCxnSpPr>
+        <p:spPr>
+          <a:xfrm>
+            <a:off x="6035336" y="4458690"/>
+            <a:ext cx="1983794" cy="23630"/>
+          </a:xfrm>
+          <a:prstGeom prst="line">
+            <a:avLst/>
+          </a:prstGeom>
+          <a:ln w="38100">
+            <a:solidFill>
+              <a:srgbClr val="FF0000"/>
+            </a:solidFill>
+          </a:ln>
+        </p:spPr>
+        <p:style>
+          <a:lnRef idx="1">
+            <a:schemeClr val="accent1"/>
+          </a:lnRef>
+          <a:fillRef idx="0">
+            <a:schemeClr val="accent1"/>
+          </a:fillRef>
+          <a:effectRef idx="0">
+            <a:schemeClr val="accent1"/>
+          </a:effectRef>
+          <a:fontRef idx="minor">
+            <a:schemeClr val="tx1"/>
+          </a:fontRef>
+        </p:style>
+      </p:cxnSp>
+      <p:cxnSp>
+        <p:nvCxnSpPr>
+          <p:cNvPr id="15" name="Conector recto 14"/>
+          <p:cNvCxnSpPr>
+            <a:stCxn id="19" idx="2"/>
+            <a:endCxn id="1046" idx="0"/>
+          </p:cNvCxnSpPr>
+          <p:nvPr/>
+        </p:nvCxnSpPr>
+        <p:spPr>
+          <a:xfrm flipH="1">
+            <a:off x="8019130" y="2722927"/>
+            <a:ext cx="1" cy="1759393"/>
+          </a:xfrm>
+          <a:prstGeom prst="line">
+            <a:avLst/>
+          </a:prstGeom>
+          <a:ln w="38100">
+            <a:solidFill>
+              <a:srgbClr val="FF0000"/>
+            </a:solidFill>
+          </a:ln>
+        </p:spPr>
+        <p:style>
+          <a:lnRef idx="1">
+            <a:schemeClr val="accent1"/>
+          </a:lnRef>
+          <a:fillRef idx="0">
+            <a:schemeClr val="accent1"/>
+          </a:fillRef>
+          <a:effectRef idx="0">
+            <a:schemeClr val="accent1"/>
+          </a:effectRef>
+          <a:fontRef idx="minor">
+            <a:schemeClr val="tx1"/>
+          </a:fontRef>
+        </p:style>
+      </p:cxnSp>
+      <p:cxnSp>
+        <p:nvCxnSpPr>
+          <p:cNvPr id="17" name="Conector recto 16"/>
+          <p:cNvCxnSpPr>
+            <a:stCxn id="1026" idx="2"/>
+            <a:endCxn id="19" idx="1"/>
+          </p:cNvCxnSpPr>
+          <p:nvPr/>
+        </p:nvCxnSpPr>
+        <p:spPr>
+          <a:xfrm>
+            <a:off x="3459610" y="2357671"/>
+            <a:ext cx="4225389" cy="31125"/>
+          </a:xfrm>
+          <a:prstGeom prst="line">
+            <a:avLst/>
+          </a:prstGeom>
+          <a:ln w="38100">
+            <a:solidFill>
+              <a:srgbClr val="FF0000"/>
+            </a:solidFill>
+          </a:ln>
+        </p:spPr>
+        <p:style>
+          <a:lnRef idx="1">
+            <a:schemeClr val="accent1"/>
+          </a:lnRef>
+          <a:fillRef idx="0">
+            <a:schemeClr val="accent1"/>
+          </a:fillRef>
+          <a:effectRef idx="0">
+            <a:schemeClr val="accent1"/>
+          </a:effectRef>
+          <a:fontRef idx="minor">
+            <a:schemeClr val="tx1"/>
+          </a:fontRef>
+        </p:style>
+      </p:cxnSp>
+      <p:cxnSp>
+        <p:nvCxnSpPr>
+          <p:cNvPr id="21" name="Conector recto 20"/>
+          <p:cNvCxnSpPr>
+            <a:stCxn id="20" idx="3"/>
+            <a:endCxn id="1026" idx="2"/>
+          </p:cNvCxnSpPr>
+          <p:nvPr/>
+        </p:nvCxnSpPr>
+        <p:spPr>
+          <a:xfrm flipV="1">
+            <a:off x="1496335" y="2357671"/>
+            <a:ext cx="1963275" cy="2101020"/>
+          </a:xfrm>
+          <a:prstGeom prst="line">
+            <a:avLst/>
+          </a:prstGeom>
+          <a:ln w="38100">
+            <a:solidFill>
+              <a:srgbClr val="FF0000"/>
+            </a:solidFill>
+          </a:ln>
+        </p:spPr>
+        <p:style>
+          <a:lnRef idx="1">
+            <a:schemeClr val="accent1"/>
+          </a:lnRef>
+          <a:fillRef idx="0">
+            <a:schemeClr val="accent1"/>
+          </a:fillRef>
+          <a:effectRef idx="0">
+            <a:schemeClr val="accent1"/>
+          </a:effectRef>
+          <a:fontRef idx="minor">
+            <a:schemeClr val="tx1"/>
+          </a:fontRef>
+        </p:style>
+      </p:cxnSp>
+      <p:cxnSp>
+        <p:nvCxnSpPr>
+          <p:cNvPr id="23" name="Conector recto 22"/>
+          <p:cNvCxnSpPr>
+            <a:stCxn id="1042" idx="2"/>
+            <a:endCxn id="1046" idx="0"/>
+          </p:cNvCxnSpPr>
+          <p:nvPr/>
+        </p:nvCxnSpPr>
+        <p:spPr>
+          <a:xfrm flipH="1">
+            <a:off x="8019130" y="4482320"/>
+            <a:ext cx="2232667" cy="0"/>
+          </a:xfrm>
+          <a:prstGeom prst="line">
+            <a:avLst/>
+          </a:prstGeom>
+          <a:ln w="38100">
+            <a:solidFill>
+              <a:srgbClr val="FF0000"/>
+            </a:solidFill>
+          </a:ln>
+        </p:spPr>
+        <p:style>
+          <a:lnRef idx="1">
+            <a:schemeClr val="accent1"/>
+          </a:lnRef>
+          <a:fillRef idx="0">
+            <a:schemeClr val="accent1"/>
+          </a:fillRef>
+          <a:effectRef idx="0">
+            <a:schemeClr val="accent1"/>
+          </a:effectRef>
+          <a:fontRef idx="minor">
+            <a:schemeClr val="tx1"/>
+          </a:fontRef>
+        </p:style>
+      </p:cxnSp>
+      <p:cxnSp>
+        <p:nvCxnSpPr>
+          <p:cNvPr id="25" name="Conector recto 24"/>
+          <p:cNvCxnSpPr>
+            <a:endCxn id="19" idx="3"/>
+          </p:cNvCxnSpPr>
+          <p:nvPr/>
+        </p:nvCxnSpPr>
+        <p:spPr>
+          <a:xfrm flipH="1" flipV="1">
+            <a:off x="8353262" y="2388796"/>
+            <a:ext cx="1923375" cy="11643"/>
+          </a:xfrm>
+          <a:prstGeom prst="line">
+            <a:avLst/>
+          </a:prstGeom>
+          <a:ln w="38100">
+            <a:solidFill>
+              <a:srgbClr val="FF0000"/>
+            </a:solidFill>
+          </a:ln>
+        </p:spPr>
+        <p:style>
+          <a:lnRef idx="1">
+            <a:schemeClr val="accent1"/>
+          </a:lnRef>
+          <a:fillRef idx="0">
+            <a:schemeClr val="accent1"/>
+          </a:fillRef>
+          <a:effectRef idx="0">
+            <a:schemeClr val="accent1"/>
+          </a:effectRef>
+          <a:fontRef idx="minor">
+            <a:schemeClr val="tx1"/>
+          </a:fontRef>
+        </p:style>
+      </p:cxnSp>
+      <p:sp>
+        <p:nvSpPr>
+          <p:cNvPr id="26" name="CuadroTexto 25"/>
+          <p:cNvSpPr txBox="1"/>
+          <p:nvPr/>
+        </p:nvSpPr>
+        <p:spPr>
+          <a:xfrm>
+            <a:off x="8684998" y="4011808"/>
+            <a:ext cx="1210557" cy="369332"/>
+          </a:xfrm>
+          <a:prstGeom prst="rect">
+            <a:avLst/>
+          </a:prstGeom>
+          <a:noFill/>
+        </p:spPr>
+        <p:txBody>
+          <a:bodyPr wrap="square" rtlCol="0">
+            <a:spAutoFit/>
+          </a:bodyPr>
+          <a:lstStyle/>
+          <a:p>
+            <a:r>
+              <a:rPr lang="es-ES" b="1" dirty="0">
+                <a:solidFill>
+                  <a:srgbClr val="FF0000"/>
+                </a:solidFill>
+              </a:rPr>
+              <a:t>L7=100 km</a:t>
+            </a:r>
+            <a:endParaRPr lang="ca-ES" b="1" dirty="0">
+              <a:solidFill>
+                <a:srgbClr val="FF0000"/>
+              </a:solidFill>
+            </a:endParaRPr>
+          </a:p>
+        </p:txBody>
+      </p:sp>
+      <p:sp>
+        <p:nvSpPr>
+          <p:cNvPr id="40" name="CuadroTexto 39"/>
+          <p:cNvSpPr txBox="1"/>
+          <p:nvPr/>
+        </p:nvSpPr>
+        <p:spPr>
+          <a:xfrm rot="2003416">
+            <a:off x="2209725" y="4858462"/>
+            <a:ext cx="1210557" cy="369332"/>
+          </a:xfrm>
+          <a:prstGeom prst="rect">
+            <a:avLst/>
+          </a:prstGeom>
+          <a:noFill/>
+        </p:spPr>
+        <p:txBody>
+          <a:bodyPr wrap="square" rtlCol="0">
+            <a:spAutoFit/>
+          </a:bodyPr>
+          <a:lstStyle/>
+          <a:p>
+            <a:r>
+              <a:rPr lang="es-ES" b="1" dirty="0">
+                <a:solidFill>
+                  <a:srgbClr val="FF0000"/>
+                </a:solidFill>
+              </a:rPr>
+              <a:t>L6=140 km</a:t>
+            </a:r>
+            <a:endParaRPr lang="ca-ES" b="1" dirty="0">
+              <a:solidFill>
+                <a:srgbClr val="FF0000"/>
+              </a:solidFill>
+            </a:endParaRPr>
+          </a:p>
+        </p:txBody>
+      </p:sp>
+      <p:sp>
+        <p:nvSpPr>
+          <p:cNvPr id="41" name="CuadroTexto 40"/>
+          <p:cNvSpPr txBox="1"/>
+          <p:nvPr/>
+        </p:nvSpPr>
+        <p:spPr>
+          <a:xfrm>
+            <a:off x="4938142" y="1994170"/>
+            <a:ext cx="1210557" cy="369332"/>
+          </a:xfrm>
+          <a:prstGeom prst="rect">
+            <a:avLst/>
+          </a:prstGeom>
+          <a:noFill/>
+        </p:spPr>
+        <p:txBody>
+          <a:bodyPr wrap="square" rtlCol="0">
+            <a:spAutoFit/>
+          </a:bodyPr>
+          <a:lstStyle/>
+          <a:p>
+            <a:r>
+              <a:rPr lang="es-ES" b="1" dirty="0">
+                <a:solidFill>
+                  <a:srgbClr val="FF0000"/>
+                </a:solidFill>
+              </a:rPr>
+              <a:t>L4=200 km</a:t>
+            </a:r>
+            <a:endParaRPr lang="ca-ES" b="1" dirty="0">
+              <a:solidFill>
+                <a:srgbClr val="FF0000"/>
+              </a:solidFill>
+            </a:endParaRPr>
+          </a:p>
+        </p:txBody>
+      </p:sp>
+      <p:sp>
+        <p:nvSpPr>
+          <p:cNvPr id="42" name="CuadroTexto 41"/>
+          <p:cNvSpPr txBox="1"/>
+          <p:nvPr/>
+        </p:nvSpPr>
+        <p:spPr>
+          <a:xfrm rot="16200000">
+            <a:off x="7114564" y="1205502"/>
+            <a:ext cx="1210557" cy="369332"/>
+          </a:xfrm>
+          <a:prstGeom prst="rect">
+            <a:avLst/>
+          </a:prstGeom>
+          <a:noFill/>
+        </p:spPr>
+        <p:txBody>
+          <a:bodyPr wrap="square" rtlCol="0">
+            <a:spAutoFit/>
+          </a:bodyPr>
+          <a:lstStyle/>
+          <a:p>
+            <a:r>
+              <a:rPr lang="es-ES" b="1" dirty="0">
+                <a:solidFill>
+                  <a:srgbClr val="FF0000"/>
+                </a:solidFill>
+              </a:rPr>
+              <a:t>L1=100 km</a:t>
+            </a:r>
+            <a:endParaRPr lang="ca-ES" b="1" dirty="0">
+              <a:solidFill>
+                <a:srgbClr val="FF0000"/>
+              </a:solidFill>
+            </a:endParaRPr>
+          </a:p>
+        </p:txBody>
+      </p:sp>
+      <p:sp>
+        <p:nvSpPr>
+          <p:cNvPr id="43" name="CuadroTexto 42"/>
+          <p:cNvSpPr txBox="1"/>
+          <p:nvPr/>
+        </p:nvSpPr>
+        <p:spPr>
+          <a:xfrm rot="18746313">
+            <a:off x="1833570" y="3014501"/>
+            <a:ext cx="1210557" cy="369332"/>
+          </a:xfrm>
+          <a:prstGeom prst="rect">
+            <a:avLst/>
+          </a:prstGeom>
+          <a:noFill/>
+        </p:spPr>
+        <p:txBody>
+          <a:bodyPr wrap="square" rtlCol="0">
+            <a:spAutoFit/>
+          </a:bodyPr>
+          <a:lstStyle/>
+          <a:p>
+            <a:r>
+              <a:rPr lang="es-ES" b="1" dirty="0">
+                <a:solidFill>
+                  <a:srgbClr val="FF0000"/>
+                </a:solidFill>
+              </a:rPr>
+              <a:t>L5=140 km</a:t>
+            </a:r>
+            <a:endParaRPr lang="ca-ES" b="1" dirty="0">
+              <a:solidFill>
+                <a:srgbClr val="FF0000"/>
+              </a:solidFill>
+            </a:endParaRPr>
+          </a:p>
+        </p:txBody>
+      </p:sp>
+      <p:sp>
+        <p:nvSpPr>
+          <p:cNvPr id="44" name="CuadroTexto 43"/>
+          <p:cNvSpPr txBox="1"/>
+          <p:nvPr/>
+        </p:nvSpPr>
+        <p:spPr>
+          <a:xfrm>
+            <a:off x="8701464" y="2009307"/>
+            <a:ext cx="1210557" cy="369332"/>
+          </a:xfrm>
+          <a:prstGeom prst="rect">
+            <a:avLst/>
+          </a:prstGeom>
+          <a:noFill/>
+        </p:spPr>
+        <p:txBody>
+          <a:bodyPr wrap="square" rtlCol="0">
+            <a:spAutoFit/>
+          </a:bodyPr>
+          <a:lstStyle/>
+          <a:p>
+            <a:r>
+              <a:rPr lang="es-ES" b="1" dirty="0">
+                <a:solidFill>
+                  <a:srgbClr val="FF0000"/>
+                </a:solidFill>
+              </a:rPr>
+              <a:t>L2=140 km</a:t>
+            </a:r>
+            <a:endParaRPr lang="ca-ES" b="1" dirty="0">
+              <a:solidFill>
+                <a:srgbClr val="FF0000"/>
+              </a:solidFill>
+            </a:endParaRPr>
+          </a:p>
+        </p:txBody>
+      </p:sp>
+      <p:sp>
+        <p:nvSpPr>
+          <p:cNvPr id="45" name="CuadroTexto 44"/>
+          <p:cNvSpPr txBox="1"/>
+          <p:nvPr/>
+        </p:nvSpPr>
+        <p:spPr>
+          <a:xfrm>
+            <a:off x="6483100" y="4063975"/>
+            <a:ext cx="1210557" cy="369332"/>
+          </a:xfrm>
+          <a:prstGeom prst="rect">
+            <a:avLst/>
+          </a:prstGeom>
+          <a:noFill/>
+        </p:spPr>
+        <p:txBody>
+          <a:bodyPr wrap="square" rtlCol="0">
+            <a:spAutoFit/>
+          </a:bodyPr>
+          <a:lstStyle/>
+          <a:p>
+            <a:r>
+              <a:rPr lang="es-ES" b="1" dirty="0">
+                <a:solidFill>
+                  <a:srgbClr val="FF0000"/>
+                </a:solidFill>
+              </a:rPr>
+              <a:t>L8=100 km</a:t>
+            </a:r>
+            <a:endParaRPr lang="ca-ES" b="1" dirty="0">
+              <a:solidFill>
+                <a:srgbClr val="FF0000"/>
+              </a:solidFill>
+            </a:endParaRPr>
+          </a:p>
+        </p:txBody>
+      </p:sp>
+      <p:sp>
+        <p:nvSpPr>
+          <p:cNvPr id="46" name="CuadroTexto 45"/>
+          <p:cNvSpPr txBox="1"/>
+          <p:nvPr/>
+        </p:nvSpPr>
+        <p:spPr>
+          <a:xfrm rot="16200000">
+            <a:off x="7142394" y="3238048"/>
+            <a:ext cx="1210557" cy="369332"/>
+          </a:xfrm>
+          <a:prstGeom prst="rect">
+            <a:avLst/>
+          </a:prstGeom>
+          <a:noFill/>
+        </p:spPr>
+        <p:txBody>
+          <a:bodyPr wrap="square" rtlCol="0">
+            <a:spAutoFit/>
+          </a:bodyPr>
+          <a:lstStyle/>
+          <a:p>
+            <a:r>
+              <a:rPr lang="es-ES" b="1" dirty="0">
+                <a:solidFill>
+                  <a:srgbClr val="FF0000"/>
+                </a:solidFill>
+              </a:rPr>
+              <a:t>L3=100 km</a:t>
+            </a:r>
+            <a:endParaRPr lang="ca-ES" b="1" dirty="0">
+              <a:solidFill>
+                <a:srgbClr val="FF0000"/>
+              </a:solidFill>
+            </a:endParaRPr>
+          </a:p>
+        </p:txBody>
+      </p:sp>
+      <p:sp>
+        <p:nvSpPr>
+          <p:cNvPr id="27" name="Rectángulo 26"/>
+          <p:cNvSpPr/>
+          <p:nvPr/>
+        </p:nvSpPr>
+        <p:spPr>
+          <a:xfrm>
+            <a:off x="1157468" y="530322"/>
+            <a:ext cx="9070374" cy="5646641"/>
+          </a:xfrm>
+          <a:prstGeom prst="rect">
+            <a:avLst/>
+          </a:prstGeom>
+          <a:noFill/>
+          <a:ln>
+            <a:solidFill>
+              <a:schemeClr val="bg1">
+                <a:lumMod val="75000"/>
+              </a:schemeClr>
+            </a:solidFill>
+          </a:ln>
+        </p:spPr>
+        <p:style>
+          <a:lnRef idx="2">
+            <a:schemeClr val="accent1">
+              <a:shade val="50000"/>
+            </a:schemeClr>
+          </a:lnRef>
+          <a:fillRef idx="1">
+            <a:schemeClr val="accent1"/>
+          </a:fillRef>
+          <a:effectRef idx="0">
+            <a:schemeClr val="accent1"/>
+          </a:effectRef>
+          <a:fontRef idx="minor">
+            <a:schemeClr val="lt1"/>
+          </a:fontRef>
+        </p:style>
+        <p:txBody>
+          <a:bodyPr rtlCol="0" anchor="ctr"/>
+          <a:lstStyle/>
+          <a:p>
+            <a:pPr algn="ctr"/>
+            <a:endParaRPr lang="ca-ES"/>
+          </a:p>
+        </p:txBody>
+      </p:sp>
+      <p:cxnSp>
+        <p:nvCxnSpPr>
+          <p:cNvPr id="31" name="Conector recto 30"/>
+          <p:cNvCxnSpPr/>
+          <p:nvPr/>
+        </p:nvCxnSpPr>
+        <p:spPr>
+          <a:xfrm flipV="1">
+            <a:off x="3455813" y="487735"/>
+            <a:ext cx="0" cy="5645654"/>
+          </a:xfrm>
+          <a:prstGeom prst="line">
+            <a:avLst/>
+          </a:prstGeom>
+          <a:ln>
+            <a:solidFill>
+              <a:schemeClr val="bg1">
+                <a:lumMod val="75000"/>
+              </a:schemeClr>
+            </a:solidFill>
+          </a:ln>
+        </p:spPr>
+        <p:style>
+          <a:lnRef idx="1">
+            <a:schemeClr val="accent1"/>
+          </a:lnRef>
+          <a:fillRef idx="0">
+            <a:schemeClr val="accent1"/>
+          </a:fillRef>
+          <a:effectRef idx="0">
+            <a:schemeClr val="accent1"/>
+          </a:effectRef>
+          <a:fontRef idx="minor">
+            <a:schemeClr val="tx1"/>
+          </a:fontRef>
+        </p:style>
+      </p:cxnSp>
+      <p:cxnSp>
+        <p:nvCxnSpPr>
+          <p:cNvPr id="52" name="Conector recto 51"/>
+          <p:cNvCxnSpPr/>
+          <p:nvPr/>
+        </p:nvCxnSpPr>
+        <p:spPr>
+          <a:xfrm flipV="1">
+            <a:off x="5771477" y="530322"/>
+            <a:ext cx="0" cy="5645654"/>
+          </a:xfrm>
+          <a:prstGeom prst="line">
+            <a:avLst/>
+          </a:prstGeom>
+          <a:ln>
+            <a:solidFill>
+              <a:schemeClr val="bg1">
+                <a:lumMod val="75000"/>
+              </a:schemeClr>
+            </a:solidFill>
+          </a:ln>
+        </p:spPr>
+        <p:style>
+          <a:lnRef idx="1">
+            <a:schemeClr val="accent1"/>
+          </a:lnRef>
+          <a:fillRef idx="0">
+            <a:schemeClr val="accent1"/>
+          </a:fillRef>
+          <a:effectRef idx="0">
+            <a:schemeClr val="accent1"/>
+          </a:effectRef>
+          <a:fontRef idx="minor">
+            <a:schemeClr val="tx1"/>
+          </a:fontRef>
+        </p:style>
+      </p:cxnSp>
+      <p:cxnSp>
+        <p:nvCxnSpPr>
+          <p:cNvPr id="61" name="Conector recto 60"/>
+          <p:cNvCxnSpPr/>
+          <p:nvPr/>
+        </p:nvCxnSpPr>
+        <p:spPr>
+          <a:xfrm flipV="1">
+            <a:off x="7995174" y="606173"/>
+            <a:ext cx="0" cy="5645654"/>
+          </a:xfrm>
+          <a:prstGeom prst="line">
+            <a:avLst/>
+          </a:prstGeom>
+          <a:ln>
+            <a:solidFill>
+              <a:schemeClr val="bg1">
+                <a:lumMod val="75000"/>
+              </a:schemeClr>
+            </a:solidFill>
+          </a:ln>
+        </p:spPr>
+        <p:style>
+          <a:lnRef idx="1">
+            <a:schemeClr val="accent1"/>
+          </a:lnRef>
+          <a:fillRef idx="0">
+            <a:schemeClr val="accent1"/>
+          </a:fillRef>
+          <a:effectRef idx="0">
+            <a:schemeClr val="accent1"/>
+          </a:effectRef>
+          <a:fontRef idx="minor">
+            <a:schemeClr val="tx1"/>
+          </a:fontRef>
+        </p:style>
+      </p:cxnSp>
+      <p:cxnSp>
+        <p:nvCxnSpPr>
+          <p:cNvPr id="66" name="Conector recto 65"/>
+          <p:cNvCxnSpPr/>
+          <p:nvPr/>
+        </p:nvCxnSpPr>
+        <p:spPr>
+          <a:xfrm flipV="1">
+            <a:off x="10227842" y="603138"/>
+            <a:ext cx="0" cy="5645654"/>
+          </a:xfrm>
+          <a:prstGeom prst="line">
+            <a:avLst/>
+          </a:prstGeom>
+          <a:ln>
+            <a:solidFill>
+              <a:schemeClr val="bg1">
+                <a:lumMod val="75000"/>
+              </a:schemeClr>
+            </a:solidFill>
+          </a:ln>
+        </p:spPr>
+        <p:style>
+          <a:lnRef idx="1">
+            <a:schemeClr val="accent1"/>
+          </a:lnRef>
+          <a:fillRef idx="0">
+            <a:schemeClr val="accent1"/>
+          </a:fillRef>
+          <a:effectRef idx="0">
+            <a:schemeClr val="accent1"/>
+          </a:effectRef>
+          <a:fontRef idx="minor">
+            <a:schemeClr val="tx1"/>
+          </a:fontRef>
+        </p:style>
+      </p:cxnSp>
+      <p:cxnSp>
+        <p:nvCxnSpPr>
+          <p:cNvPr id="71" name="Conector recto 70"/>
+          <p:cNvCxnSpPr/>
+          <p:nvPr/>
+        </p:nvCxnSpPr>
+        <p:spPr>
+          <a:xfrm>
+            <a:off x="498520" y="4379649"/>
+            <a:ext cx="11073631" cy="68956"/>
+          </a:xfrm>
+          <a:prstGeom prst="line">
+            <a:avLst/>
+          </a:prstGeom>
+          <a:ln>
+            <a:solidFill>
+              <a:schemeClr val="bg1">
+                <a:lumMod val="75000"/>
+              </a:schemeClr>
+            </a:solidFill>
+          </a:ln>
+        </p:spPr>
+        <p:style>
+          <a:lnRef idx="1">
+            <a:schemeClr val="accent1"/>
+          </a:lnRef>
+          <a:fillRef idx="0">
+            <a:schemeClr val="accent1"/>
+          </a:fillRef>
+          <a:effectRef idx="0">
+            <a:schemeClr val="accent1"/>
+          </a:effectRef>
+          <a:fontRef idx="minor">
+            <a:schemeClr val="tx1"/>
+          </a:fontRef>
+        </p:style>
+      </p:cxnSp>
+      <p:cxnSp>
+        <p:nvCxnSpPr>
+          <p:cNvPr id="73" name="Conector recto 72"/>
+          <p:cNvCxnSpPr/>
+          <p:nvPr/>
+        </p:nvCxnSpPr>
+        <p:spPr>
+          <a:xfrm>
+            <a:off x="659757" y="2360019"/>
+            <a:ext cx="10137562" cy="59826"/>
+          </a:xfrm>
+          <a:prstGeom prst="line">
+            <a:avLst/>
+          </a:prstGeom>
+          <a:ln>
+            <a:solidFill>
+              <a:schemeClr val="bg1">
+                <a:lumMod val="75000"/>
+              </a:schemeClr>
+            </a:solidFill>
+          </a:ln>
+        </p:spPr>
+        <p:style>
+          <a:lnRef idx="1">
+            <a:schemeClr val="accent1"/>
+          </a:lnRef>
+          <a:fillRef idx="0">
+            <a:schemeClr val="accent1"/>
+          </a:fillRef>
+          <a:effectRef idx="0">
+            <a:schemeClr val="accent1"/>
+          </a:effectRef>
+          <a:fontRef idx="minor">
+            <a:schemeClr val="tx1"/>
+          </a:fontRef>
+        </p:style>
+      </p:cxnSp>
+      <p:sp>
+        <p:nvSpPr>
+          <p:cNvPr id="5" name="CuadroTexto 4">
+            <a:extLst>
+              <a:ext uri="{FF2B5EF4-FFF2-40B4-BE49-F238E27FC236}">
+                <a16:creationId xmlns:a16="http://schemas.microsoft.com/office/drawing/2014/main" id="{DBA68F42-0763-CE88-2118-8175E8A6822F}"/>
+              </a:ext>
+            </a:extLst>
+          </p:cNvPr>
+          <p:cNvSpPr txBox="1"/>
+          <p:nvPr/>
+        </p:nvSpPr>
+        <p:spPr>
+          <a:xfrm>
+            <a:off x="8244803" y="175356"/>
+            <a:ext cx="1210557" cy="369332"/>
+          </a:xfrm>
+          <a:prstGeom prst="rect">
+            <a:avLst/>
+          </a:prstGeom>
+          <a:noFill/>
+        </p:spPr>
+        <p:txBody>
+          <a:bodyPr wrap="square" rtlCol="0">
+            <a:spAutoFit/>
+          </a:bodyPr>
+          <a:lstStyle/>
+          <a:p>
+            <a:r>
+              <a:rPr lang="es-ES" b="1" dirty="0">
+                <a:solidFill>
+                  <a:schemeClr val="accent1">
+                    <a:lumMod val="75000"/>
+                  </a:schemeClr>
+                </a:solidFill>
+              </a:rPr>
+              <a:t>B0</a:t>
+            </a:r>
+            <a:endParaRPr lang="ca-ES" b="1" dirty="0">
+              <a:solidFill>
+                <a:schemeClr val="accent1">
+                  <a:lumMod val="75000"/>
+                </a:schemeClr>
+              </a:solidFill>
+            </a:endParaRPr>
+          </a:p>
+        </p:txBody>
+      </p:sp>
+      <p:sp>
+        <p:nvSpPr>
+          <p:cNvPr id="7" name="CuadroTexto 6">
+            <a:extLst>
+              <a:ext uri="{FF2B5EF4-FFF2-40B4-BE49-F238E27FC236}">
+                <a16:creationId xmlns:a16="http://schemas.microsoft.com/office/drawing/2014/main" id="{C3F0D739-55F7-8991-4DE6-FB5D835275FD}"/>
+              </a:ext>
+            </a:extLst>
+          </p:cNvPr>
+          <p:cNvSpPr txBox="1"/>
+          <p:nvPr/>
+        </p:nvSpPr>
+        <p:spPr>
+          <a:xfrm>
+            <a:off x="10361594" y="1409536"/>
+            <a:ext cx="1210557" cy="369332"/>
+          </a:xfrm>
+          <a:prstGeom prst="rect">
+            <a:avLst/>
+          </a:prstGeom>
+          <a:noFill/>
+        </p:spPr>
+        <p:txBody>
+          <a:bodyPr wrap="square" rtlCol="0">
+            <a:spAutoFit/>
+          </a:bodyPr>
+          <a:lstStyle/>
+          <a:p>
+            <a:r>
+              <a:rPr lang="es-ES" b="1" dirty="0">
+                <a:solidFill>
+                  <a:schemeClr val="accent1">
+                    <a:lumMod val="75000"/>
+                  </a:schemeClr>
+                </a:solidFill>
+              </a:rPr>
+              <a:t>B2</a:t>
+            </a:r>
+            <a:endParaRPr lang="ca-ES" b="1" dirty="0">
+              <a:solidFill>
+                <a:schemeClr val="accent1">
+                  <a:lumMod val="75000"/>
+                </a:schemeClr>
+              </a:solidFill>
+            </a:endParaRPr>
+          </a:p>
+        </p:txBody>
+      </p:sp>
+      <p:sp>
+        <p:nvSpPr>
+          <p:cNvPr id="9" name="CuadroTexto 8">
+            <a:extLst>
+              <a:ext uri="{FF2B5EF4-FFF2-40B4-BE49-F238E27FC236}">
+                <a16:creationId xmlns:a16="http://schemas.microsoft.com/office/drawing/2014/main" id="{591E154F-6D18-E1B7-75E7-C1E46C29DA0C}"/>
+              </a:ext>
+            </a:extLst>
+          </p:cNvPr>
+          <p:cNvSpPr txBox="1"/>
+          <p:nvPr/>
+        </p:nvSpPr>
+        <p:spPr>
+          <a:xfrm>
+            <a:off x="8253569" y="1752494"/>
+            <a:ext cx="1210557" cy="369332"/>
+          </a:xfrm>
+          <a:prstGeom prst="rect">
+            <a:avLst/>
+          </a:prstGeom>
+          <a:noFill/>
+        </p:spPr>
+        <p:txBody>
+          <a:bodyPr wrap="square" rtlCol="0">
+            <a:spAutoFit/>
+          </a:bodyPr>
+          <a:lstStyle/>
+          <a:p>
+            <a:r>
+              <a:rPr lang="es-ES" b="1" dirty="0">
+                <a:solidFill>
+                  <a:schemeClr val="accent1">
+                    <a:lumMod val="75000"/>
+                  </a:schemeClr>
+                </a:solidFill>
+              </a:rPr>
+              <a:t>B1</a:t>
+            </a:r>
+            <a:endParaRPr lang="ca-ES" b="1" dirty="0">
+              <a:solidFill>
+                <a:schemeClr val="accent1">
+                  <a:lumMod val="75000"/>
+                </a:schemeClr>
+              </a:solidFill>
+            </a:endParaRPr>
+          </a:p>
+        </p:txBody>
+      </p:sp>
+      <p:sp>
+        <p:nvSpPr>
+          <p:cNvPr id="10" name="CuadroTexto 9">
+            <a:extLst>
+              <a:ext uri="{FF2B5EF4-FFF2-40B4-BE49-F238E27FC236}">
+                <a16:creationId xmlns:a16="http://schemas.microsoft.com/office/drawing/2014/main" id="{C650EE10-D324-D774-3B4C-B2AE1EF8E02D}"/>
+              </a:ext>
+            </a:extLst>
+          </p:cNvPr>
+          <p:cNvSpPr txBox="1"/>
+          <p:nvPr/>
+        </p:nvSpPr>
+        <p:spPr>
+          <a:xfrm>
+            <a:off x="3792196" y="5409783"/>
+            <a:ext cx="1210557" cy="369332"/>
+          </a:xfrm>
+          <a:prstGeom prst="rect">
+            <a:avLst/>
+          </a:prstGeom>
+          <a:noFill/>
+        </p:spPr>
+        <p:txBody>
+          <a:bodyPr wrap="square" rtlCol="0">
+            <a:spAutoFit/>
+          </a:bodyPr>
+          <a:lstStyle/>
+          <a:p>
+            <a:r>
+              <a:rPr lang="es-ES" b="1" dirty="0">
+                <a:solidFill>
+                  <a:schemeClr val="accent1">
+                    <a:lumMod val="75000"/>
+                  </a:schemeClr>
+                </a:solidFill>
+              </a:rPr>
+              <a:t>B5</a:t>
+            </a:r>
+            <a:endParaRPr lang="ca-ES" b="1" dirty="0">
+              <a:solidFill>
+                <a:schemeClr val="accent1">
+                  <a:lumMod val="75000"/>
+                </a:schemeClr>
+              </a:solidFill>
+            </a:endParaRPr>
+          </a:p>
+        </p:txBody>
+      </p:sp>
+      <p:sp>
+        <p:nvSpPr>
+          <p:cNvPr id="12" name="CuadroTexto 11">
+            <a:extLst>
+              <a:ext uri="{FF2B5EF4-FFF2-40B4-BE49-F238E27FC236}">
+                <a16:creationId xmlns:a16="http://schemas.microsoft.com/office/drawing/2014/main" id="{8AF0E525-144B-E77B-A24D-FD613D5035C3}"/>
+              </a:ext>
+            </a:extLst>
+          </p:cNvPr>
+          <p:cNvSpPr txBox="1"/>
+          <p:nvPr/>
+        </p:nvSpPr>
+        <p:spPr>
+          <a:xfrm>
+            <a:off x="1265337" y="3816628"/>
+            <a:ext cx="1210557" cy="369332"/>
+          </a:xfrm>
+          <a:prstGeom prst="rect">
+            <a:avLst/>
+          </a:prstGeom>
+          <a:noFill/>
+        </p:spPr>
+        <p:txBody>
+          <a:bodyPr wrap="square" rtlCol="0">
+            <a:spAutoFit/>
+          </a:bodyPr>
+          <a:lstStyle/>
+          <a:p>
+            <a:r>
+              <a:rPr lang="es-ES" b="1" dirty="0">
+                <a:solidFill>
+                  <a:schemeClr val="accent1">
+                    <a:lumMod val="75000"/>
+                  </a:schemeClr>
+                </a:solidFill>
+              </a:rPr>
+              <a:t>B4</a:t>
+            </a:r>
+            <a:endParaRPr lang="ca-ES" b="1" dirty="0">
+              <a:solidFill>
+                <a:schemeClr val="accent1">
+                  <a:lumMod val="75000"/>
+                </a:schemeClr>
+              </a:solidFill>
+            </a:endParaRPr>
+          </a:p>
+        </p:txBody>
+      </p:sp>
+      <p:sp>
+        <p:nvSpPr>
+          <p:cNvPr id="14" name="CuadroTexto 13">
+            <a:extLst>
+              <a:ext uri="{FF2B5EF4-FFF2-40B4-BE49-F238E27FC236}">
+                <a16:creationId xmlns:a16="http://schemas.microsoft.com/office/drawing/2014/main" id="{447BE452-EB70-7B3C-2294-966C062F6F2E}"/>
+              </a:ext>
+            </a:extLst>
+          </p:cNvPr>
+          <p:cNvSpPr txBox="1"/>
+          <p:nvPr/>
+        </p:nvSpPr>
+        <p:spPr>
+          <a:xfrm>
+            <a:off x="3729696" y="1752494"/>
+            <a:ext cx="1210557" cy="369332"/>
+          </a:xfrm>
+          <a:prstGeom prst="rect">
+            <a:avLst/>
+          </a:prstGeom>
+          <a:noFill/>
+        </p:spPr>
+        <p:txBody>
+          <a:bodyPr wrap="square" rtlCol="0">
+            <a:spAutoFit/>
+          </a:bodyPr>
+          <a:lstStyle/>
+          <a:p>
+            <a:r>
+              <a:rPr lang="es-ES" b="1" dirty="0">
+                <a:solidFill>
+                  <a:schemeClr val="accent1">
+                    <a:lumMod val="75000"/>
+                  </a:schemeClr>
+                </a:solidFill>
+              </a:rPr>
+              <a:t>B3</a:t>
+            </a:r>
+            <a:endParaRPr lang="ca-ES" b="1" dirty="0">
+              <a:solidFill>
+                <a:schemeClr val="accent1">
+                  <a:lumMod val="75000"/>
+                </a:schemeClr>
+              </a:solidFill>
+            </a:endParaRPr>
+          </a:p>
+        </p:txBody>
+      </p:sp>
+      <p:sp>
+        <p:nvSpPr>
+          <p:cNvPr id="16" name="CuadroTexto 15">
+            <a:extLst>
+              <a:ext uri="{FF2B5EF4-FFF2-40B4-BE49-F238E27FC236}">
+                <a16:creationId xmlns:a16="http://schemas.microsoft.com/office/drawing/2014/main" id="{ED915F16-46B1-83F1-E40B-5B7C9C4D74CA}"/>
+              </a:ext>
+            </a:extLst>
+          </p:cNvPr>
+          <p:cNvSpPr txBox="1"/>
+          <p:nvPr/>
+        </p:nvSpPr>
+        <p:spPr>
+          <a:xfrm>
+            <a:off x="5211954" y="3867594"/>
+            <a:ext cx="1210557" cy="369332"/>
+          </a:xfrm>
+          <a:prstGeom prst="rect">
+            <a:avLst/>
+          </a:prstGeom>
+          <a:noFill/>
+        </p:spPr>
+        <p:txBody>
+          <a:bodyPr wrap="square" rtlCol="0">
+            <a:spAutoFit/>
+          </a:bodyPr>
+          <a:lstStyle/>
+          <a:p>
+            <a:r>
+              <a:rPr lang="es-ES" b="1" dirty="0">
+                <a:solidFill>
+                  <a:schemeClr val="accent1">
+                    <a:lumMod val="75000"/>
+                  </a:schemeClr>
+                </a:solidFill>
+              </a:rPr>
+              <a:t>B6</a:t>
+            </a:r>
+            <a:endParaRPr lang="ca-ES" b="1" dirty="0">
+              <a:solidFill>
+                <a:schemeClr val="accent1">
+                  <a:lumMod val="75000"/>
+                </a:schemeClr>
+              </a:solidFill>
+            </a:endParaRPr>
+          </a:p>
+        </p:txBody>
+      </p:sp>
+      <p:sp>
+        <p:nvSpPr>
+          <p:cNvPr id="18" name="CuadroTexto 17">
+            <a:extLst>
+              <a:ext uri="{FF2B5EF4-FFF2-40B4-BE49-F238E27FC236}">
+                <a16:creationId xmlns:a16="http://schemas.microsoft.com/office/drawing/2014/main" id="{0FE88A69-BF8F-0E7E-AC4D-90E1051E9D03}"/>
+              </a:ext>
+            </a:extLst>
+          </p:cNvPr>
+          <p:cNvSpPr txBox="1"/>
+          <p:nvPr/>
+        </p:nvSpPr>
+        <p:spPr>
+          <a:xfrm>
+            <a:off x="10361594" y="4385834"/>
+            <a:ext cx="1210557" cy="369332"/>
+          </a:xfrm>
+          <a:prstGeom prst="rect">
+            <a:avLst/>
+          </a:prstGeom>
+          <a:noFill/>
+        </p:spPr>
+        <p:txBody>
+          <a:bodyPr wrap="square" rtlCol="0">
+            <a:spAutoFit/>
+          </a:bodyPr>
+          <a:lstStyle/>
+          <a:p>
+            <a:r>
+              <a:rPr lang="es-ES" b="1" dirty="0">
+                <a:solidFill>
+                  <a:schemeClr val="accent1">
+                    <a:lumMod val="75000"/>
+                  </a:schemeClr>
+                </a:solidFill>
+              </a:rPr>
+              <a:t>B8</a:t>
+            </a:r>
+            <a:endParaRPr lang="ca-ES" b="1" dirty="0">
+              <a:solidFill>
+                <a:schemeClr val="accent1">
+                  <a:lumMod val="75000"/>
+                </a:schemeClr>
+              </a:solidFill>
+            </a:endParaRPr>
+          </a:p>
+        </p:txBody>
+      </p:sp>
+      <p:sp>
+        <p:nvSpPr>
+          <p:cNvPr id="22" name="CuadroTexto 21">
+            <a:extLst>
+              <a:ext uri="{FF2B5EF4-FFF2-40B4-BE49-F238E27FC236}">
+                <a16:creationId xmlns:a16="http://schemas.microsoft.com/office/drawing/2014/main" id="{1588A919-72CF-DF80-9AAE-AF140DD151A7}"/>
+              </a:ext>
+            </a:extLst>
+          </p:cNvPr>
+          <p:cNvSpPr txBox="1"/>
+          <p:nvPr/>
+        </p:nvSpPr>
+        <p:spPr>
+          <a:xfrm>
+            <a:off x="8416096" y="4622400"/>
+            <a:ext cx="1210557" cy="369332"/>
+          </a:xfrm>
+          <a:prstGeom prst="rect">
+            <a:avLst/>
+          </a:prstGeom>
+          <a:noFill/>
+        </p:spPr>
+        <p:txBody>
+          <a:bodyPr wrap="square" rtlCol="0">
+            <a:spAutoFit/>
+          </a:bodyPr>
+          <a:lstStyle/>
+          <a:p>
+            <a:r>
+              <a:rPr lang="es-ES" b="1" dirty="0">
+                <a:solidFill>
+                  <a:schemeClr val="accent1">
+                    <a:lumMod val="75000"/>
+                  </a:schemeClr>
+                </a:solidFill>
+              </a:rPr>
+              <a:t>B7</a:t>
+            </a:r>
+            <a:endParaRPr lang="ca-ES" b="1" dirty="0">
+              <a:solidFill>
+                <a:schemeClr val="accent1">
+                  <a:lumMod val="75000"/>
+                </a:schemeClr>
+              </a:solidFill>
+            </a:endParaRPr>
+          </a:p>
+        </p:txBody>
+      </p:sp>
+      <p:cxnSp>
+        <p:nvCxnSpPr>
+          <p:cNvPr id="24" name="Conector recto 23">
+            <a:extLst>
+              <a:ext uri="{FF2B5EF4-FFF2-40B4-BE49-F238E27FC236}">
+                <a16:creationId xmlns:a16="http://schemas.microsoft.com/office/drawing/2014/main" id="{04E3D744-6496-0BE9-0B51-E6922B8E6AB2}"/>
+              </a:ext>
+            </a:extLst>
+          </p:cNvPr>
+          <p:cNvCxnSpPr>
+            <a:cxnSpLocks/>
+            <a:stCxn id="6" idx="1"/>
+            <a:endCxn id="1038" idx="0"/>
+          </p:cNvCxnSpPr>
+          <p:nvPr/>
+        </p:nvCxnSpPr>
+        <p:spPr>
+          <a:xfrm flipH="1">
+            <a:off x="3455614" y="4458690"/>
+            <a:ext cx="2052003" cy="1213439"/>
+          </a:xfrm>
+          <a:prstGeom prst="line">
+            <a:avLst/>
+          </a:prstGeom>
+          <a:ln w="38100">
+            <a:solidFill>
+              <a:srgbClr val="FF0000"/>
+            </a:solidFill>
+          </a:ln>
+        </p:spPr>
+        <p:style>
+          <a:lnRef idx="1">
+            <a:schemeClr val="accent1"/>
+          </a:lnRef>
+          <a:fillRef idx="0">
+            <a:schemeClr val="accent1"/>
+          </a:fillRef>
+          <a:effectRef idx="0">
+            <a:schemeClr val="accent1"/>
+          </a:effectRef>
+          <a:fontRef idx="minor">
+            <a:schemeClr val="tx1"/>
+          </a:fontRef>
+        </p:style>
+      </p:cxnSp>
+      <p:sp>
+        <p:nvSpPr>
+          <p:cNvPr id="30" name="CuadroTexto 29">
+            <a:extLst>
+              <a:ext uri="{FF2B5EF4-FFF2-40B4-BE49-F238E27FC236}">
+                <a16:creationId xmlns:a16="http://schemas.microsoft.com/office/drawing/2014/main" id="{6931C083-8075-5621-9820-780F30C76993}"/>
+              </a:ext>
+            </a:extLst>
+          </p:cNvPr>
+          <p:cNvSpPr txBox="1"/>
+          <p:nvPr/>
+        </p:nvSpPr>
+        <p:spPr>
+          <a:xfrm rot="19802480">
+            <a:off x="3838639" y="4675186"/>
+            <a:ext cx="1210557" cy="369332"/>
+          </a:xfrm>
+          <a:prstGeom prst="rect">
+            <a:avLst/>
+          </a:prstGeom>
+          <a:noFill/>
+        </p:spPr>
+        <p:txBody>
+          <a:bodyPr wrap="square" rtlCol="0">
+            <a:spAutoFit/>
+          </a:bodyPr>
+          <a:lstStyle/>
+          <a:p>
+            <a:r>
+              <a:rPr lang="es-ES" b="1" dirty="0">
+                <a:solidFill>
+                  <a:srgbClr val="FF0000"/>
+                </a:solidFill>
+              </a:rPr>
+              <a:t>L9=140 km</a:t>
+            </a:r>
+            <a:endParaRPr lang="ca-ES" b="1" dirty="0">
+              <a:solidFill>
+                <a:srgbClr val="FF0000"/>
+              </a:solidFill>
+            </a:endParaRPr>
+          </a:p>
+        </p:txBody>
+      </p:sp>
+    </p:spTree>
+    <p:extLst>
+      <p:ext uri="{BB962C8B-B14F-4D97-AF65-F5344CB8AC3E}">
+        <p14:creationId xmlns:p14="http://schemas.microsoft.com/office/powerpoint/2010/main" val="2860135846"/>
+      </p:ext>
+    </p:extLst>
+  </p:cSld>
+  <p:clrMapOvr>
+    <a:masterClrMapping/>
+  </p:clrMapOvr>
+</p:sld>
+</file>
+
+<file path=ppt/slides/slide5.xml><?xml version="1.0" encoding="utf-8"?>
 <p:sld xmlns:a="http://schemas.openxmlformats.org/drawingml/2006/main" xmlns:r="http://schemas.openxmlformats.org/officeDocument/2006/relationships" xmlns:p="http://schemas.openxmlformats.org/presentationml/2006/main">
   <p:cSld>
     <p:spTree>

--- a/powerSystem_plantdistribution.pptx
+++ b/powerSystem_plantdistribution.pptx
@@ -247,7 +247,7 @@
           <a:p>
             <a:fld id="{A6AC8A5A-C607-48A2-A44C-88559C6B71C1}" type="datetimeFigureOut">
               <a:rPr lang="ca-ES" smtClean="0"/>
-              <a:t>30/12/2022</a:t>
+              <a:t>4/1/2023</a:t>
             </a:fld>
             <a:endParaRPr lang="ca-ES"/>
           </a:p>
@@ -417,7 +417,7 @@
           <a:p>
             <a:fld id="{A6AC8A5A-C607-48A2-A44C-88559C6B71C1}" type="datetimeFigureOut">
               <a:rPr lang="ca-ES" smtClean="0"/>
-              <a:t>30/12/2022</a:t>
+              <a:t>4/1/2023</a:t>
             </a:fld>
             <a:endParaRPr lang="ca-ES"/>
           </a:p>
@@ -597,7 +597,7 @@
           <a:p>
             <a:fld id="{A6AC8A5A-C607-48A2-A44C-88559C6B71C1}" type="datetimeFigureOut">
               <a:rPr lang="ca-ES" smtClean="0"/>
-              <a:t>30/12/2022</a:t>
+              <a:t>4/1/2023</a:t>
             </a:fld>
             <a:endParaRPr lang="ca-ES"/>
           </a:p>
@@ -767,7 +767,7 @@
           <a:p>
             <a:fld id="{A6AC8A5A-C607-48A2-A44C-88559C6B71C1}" type="datetimeFigureOut">
               <a:rPr lang="ca-ES" smtClean="0"/>
-              <a:t>30/12/2022</a:t>
+              <a:t>4/1/2023</a:t>
             </a:fld>
             <a:endParaRPr lang="ca-ES"/>
           </a:p>
@@ -1013,7 +1013,7 @@
           <a:p>
             <a:fld id="{A6AC8A5A-C607-48A2-A44C-88559C6B71C1}" type="datetimeFigureOut">
               <a:rPr lang="ca-ES" smtClean="0"/>
-              <a:t>30/12/2022</a:t>
+              <a:t>4/1/2023</a:t>
             </a:fld>
             <a:endParaRPr lang="ca-ES"/>
           </a:p>
@@ -1245,7 +1245,7 @@
           <a:p>
             <a:fld id="{A6AC8A5A-C607-48A2-A44C-88559C6B71C1}" type="datetimeFigureOut">
               <a:rPr lang="ca-ES" smtClean="0"/>
-              <a:t>30/12/2022</a:t>
+              <a:t>4/1/2023</a:t>
             </a:fld>
             <a:endParaRPr lang="ca-ES"/>
           </a:p>
@@ -1612,7 +1612,7 @@
           <a:p>
             <a:fld id="{A6AC8A5A-C607-48A2-A44C-88559C6B71C1}" type="datetimeFigureOut">
               <a:rPr lang="ca-ES" smtClean="0"/>
-              <a:t>30/12/2022</a:t>
+              <a:t>4/1/2023</a:t>
             </a:fld>
             <a:endParaRPr lang="ca-ES"/>
           </a:p>
@@ -1730,7 +1730,7 @@
           <a:p>
             <a:fld id="{A6AC8A5A-C607-48A2-A44C-88559C6B71C1}" type="datetimeFigureOut">
               <a:rPr lang="ca-ES" smtClean="0"/>
-              <a:t>30/12/2022</a:t>
+              <a:t>4/1/2023</a:t>
             </a:fld>
             <a:endParaRPr lang="ca-ES"/>
           </a:p>
@@ -1825,7 +1825,7 @@
           <a:p>
             <a:fld id="{A6AC8A5A-C607-48A2-A44C-88559C6B71C1}" type="datetimeFigureOut">
               <a:rPr lang="ca-ES" smtClean="0"/>
-              <a:t>30/12/2022</a:t>
+              <a:t>4/1/2023</a:t>
             </a:fld>
             <a:endParaRPr lang="ca-ES"/>
           </a:p>
@@ -2102,7 +2102,7 @@
           <a:p>
             <a:fld id="{A6AC8A5A-C607-48A2-A44C-88559C6B71C1}" type="datetimeFigureOut">
               <a:rPr lang="ca-ES" smtClean="0"/>
-              <a:t>30/12/2022</a:t>
+              <a:t>4/1/2023</a:t>
             </a:fld>
             <a:endParaRPr lang="ca-ES"/>
           </a:p>
@@ -2355,7 +2355,7 @@
           <a:p>
             <a:fld id="{A6AC8A5A-C607-48A2-A44C-88559C6B71C1}" type="datetimeFigureOut">
               <a:rPr lang="ca-ES" smtClean="0"/>
-              <a:t>30/12/2022</a:t>
+              <a:t>4/1/2023</a:t>
             </a:fld>
             <a:endParaRPr lang="ca-ES"/>
           </a:p>
@@ -2568,7 +2568,7 @@
           <a:p>
             <a:fld id="{A6AC8A5A-C607-48A2-A44C-88559C6B71C1}" type="datetimeFigureOut">
               <a:rPr lang="ca-ES" smtClean="0"/>
-              <a:t>30/12/2022</a:t>
+              <a:t>4/1/2023</a:t>
             </a:fld>
             <a:endParaRPr lang="ca-ES"/>
           </a:p>
@@ -7392,7 +7392,7 @@
         </p:nvSpPr>
         <p:spPr>
           <a:xfrm>
-            <a:off x="3729696" y="1752494"/>
+            <a:off x="3578574" y="1656166"/>
             <a:ext cx="1210557" cy="369332"/>
           </a:xfrm>
           <a:prstGeom prst="rect">
@@ -7650,6 +7650,183 @@
                 </a:solidFill>
               </a:rPr>
               <a:t>L9=140 km</a:t>
+            </a:r>
+            <a:endParaRPr lang="ca-ES" b="1" dirty="0">
+              <a:solidFill>
+                <a:srgbClr val="FF0000"/>
+              </a:solidFill>
+            </a:endParaRPr>
+          </a:p>
+        </p:txBody>
+      </p:sp>
+      <p:cxnSp>
+        <p:nvCxnSpPr>
+          <p:cNvPr id="28" name="Conector recto 27">
+            <a:extLst>
+              <a:ext uri="{FF2B5EF4-FFF2-40B4-BE49-F238E27FC236}">
+                <a16:creationId xmlns:a16="http://schemas.microsoft.com/office/drawing/2014/main" id="{74DF5046-F7CD-D656-F03D-5BE623E4F503}"/>
+              </a:ext>
+            </a:extLst>
+          </p:cNvPr>
+          <p:cNvCxnSpPr>
+            <a:cxnSpLocks/>
+            <a:endCxn id="16" idx="2"/>
+          </p:cNvCxnSpPr>
+          <p:nvPr/>
+        </p:nvCxnSpPr>
+        <p:spPr>
+          <a:xfrm flipH="1">
+            <a:off x="5817233" y="2685006"/>
+            <a:ext cx="1893920" cy="1551920"/>
+          </a:xfrm>
+          <a:prstGeom prst="line">
+            <a:avLst/>
+          </a:prstGeom>
+          <a:ln w="38100">
+            <a:solidFill>
+              <a:srgbClr val="FF0000"/>
+            </a:solidFill>
+          </a:ln>
+        </p:spPr>
+        <p:style>
+          <a:lnRef idx="1">
+            <a:schemeClr val="accent1"/>
+          </a:lnRef>
+          <a:fillRef idx="0">
+            <a:schemeClr val="accent1"/>
+          </a:fillRef>
+          <a:effectRef idx="0">
+            <a:schemeClr val="accent1"/>
+          </a:effectRef>
+          <a:fontRef idx="minor">
+            <a:schemeClr val="tx1"/>
+          </a:fontRef>
+        </p:style>
+      </p:cxnSp>
+      <p:sp>
+        <p:nvSpPr>
+          <p:cNvPr id="34" name="CuadroTexto 33">
+            <a:extLst>
+              <a:ext uri="{FF2B5EF4-FFF2-40B4-BE49-F238E27FC236}">
+                <a16:creationId xmlns:a16="http://schemas.microsoft.com/office/drawing/2014/main" id="{FA5B25B6-D432-2DD1-27A2-57615A353829}"/>
+              </a:ext>
+            </a:extLst>
+          </p:cNvPr>
+          <p:cNvSpPr txBox="1"/>
+          <p:nvPr/>
+        </p:nvSpPr>
+        <p:spPr>
+          <a:xfrm rot="19150590">
+            <a:off x="5958243" y="3091231"/>
+            <a:ext cx="1326825" cy="369332"/>
+          </a:xfrm>
+          <a:prstGeom prst="rect">
+            <a:avLst/>
+          </a:prstGeom>
+          <a:noFill/>
+        </p:spPr>
+        <p:txBody>
+          <a:bodyPr wrap="square" rtlCol="0">
+            <a:spAutoFit/>
+          </a:bodyPr>
+          <a:lstStyle/>
+          <a:p>
+            <a:r>
+              <a:rPr lang="es-ES" b="1" dirty="0">
+                <a:solidFill>
+                  <a:srgbClr val="FF0000"/>
+                </a:solidFill>
+              </a:rPr>
+              <a:t>L11=140 km</a:t>
+            </a:r>
+            <a:endParaRPr lang="ca-ES" b="1" dirty="0">
+              <a:solidFill>
+                <a:srgbClr val="FF0000"/>
+              </a:solidFill>
+            </a:endParaRPr>
+          </a:p>
+        </p:txBody>
+      </p:sp>
+      <p:cxnSp>
+        <p:nvCxnSpPr>
+          <p:cNvPr id="35" name="Conector recto 34">
+            <a:extLst>
+              <a:ext uri="{FF2B5EF4-FFF2-40B4-BE49-F238E27FC236}">
+                <a16:creationId xmlns:a16="http://schemas.microsoft.com/office/drawing/2014/main" id="{1C3566BA-A1C5-859D-FBB4-FF84166C3761}"/>
+              </a:ext>
+            </a:extLst>
+          </p:cNvPr>
+          <p:cNvCxnSpPr>
+            <a:cxnSpLocks/>
+            <a:stCxn id="1050" idx="1"/>
+            <a:endCxn id="1026" idx="3"/>
+          </p:cNvCxnSpPr>
+          <p:nvPr/>
+        </p:nvCxnSpPr>
+        <p:spPr>
+          <a:xfrm flipH="1">
+            <a:off x="3712325" y="460840"/>
+            <a:ext cx="3801953" cy="1644065"/>
+          </a:xfrm>
+          <a:prstGeom prst="line">
+            <a:avLst/>
+          </a:prstGeom>
+          <a:ln w="38100">
+            <a:solidFill>
+              <a:srgbClr val="FF0000"/>
+            </a:solidFill>
+          </a:ln>
+        </p:spPr>
+        <p:style>
+          <a:lnRef idx="1">
+            <a:schemeClr val="accent1"/>
+          </a:lnRef>
+          <a:fillRef idx="0">
+            <a:schemeClr val="accent1"/>
+          </a:fillRef>
+          <a:effectRef idx="0">
+            <a:schemeClr val="accent1"/>
+          </a:effectRef>
+          <a:fontRef idx="minor">
+            <a:schemeClr val="tx1"/>
+          </a:fontRef>
+        </p:style>
+      </p:cxnSp>
+      <p:sp>
+        <p:nvSpPr>
+          <p:cNvPr id="50" name="CuadroTexto 49">
+            <a:extLst>
+              <a:ext uri="{FF2B5EF4-FFF2-40B4-BE49-F238E27FC236}">
+                <a16:creationId xmlns:a16="http://schemas.microsoft.com/office/drawing/2014/main" id="{9E5AB7B8-802C-C8C0-F804-F3463B9A1075}"/>
+              </a:ext>
+            </a:extLst>
+          </p:cNvPr>
+          <p:cNvSpPr txBox="1"/>
+          <p:nvPr/>
+        </p:nvSpPr>
+        <p:spPr>
+          <a:xfrm rot="20078835">
+            <a:off x="4792099" y="956369"/>
+            <a:ext cx="1326825" cy="369332"/>
+          </a:xfrm>
+          <a:prstGeom prst="rect">
+            <a:avLst/>
+          </a:prstGeom>
+          <a:noFill/>
+        </p:spPr>
+        <p:txBody>
+          <a:bodyPr wrap="square" rtlCol="0">
+            <a:spAutoFit/>
+          </a:bodyPr>
+          <a:lstStyle/>
+          <a:p>
+            <a:r>
+              <a:rPr lang="es-ES" b="1" dirty="0">
+                <a:solidFill>
+                  <a:srgbClr val="FF0000"/>
+                </a:solidFill>
+              </a:rPr>
+              <a:t>L10=224 km</a:t>
             </a:r>
             <a:endParaRPr lang="ca-ES" b="1" dirty="0">
               <a:solidFill>
